--- a/RF-RNF-HU.pptx
+++ b/RF-RNF-HU.pptx
@@ -5,19 +5,20 @@
     <p:sldMasterId id="2147483648" r:id="rId1"/>
   </p:sldMasterIdLst>
   <p:notesMasterIdLst>
-    <p:notesMasterId r:id="rId9"/>
+    <p:notesMasterId r:id="rId10"/>
   </p:notesMasterIdLst>
   <p:handoutMasterIdLst>
-    <p:handoutMasterId r:id="rId10"/>
+    <p:handoutMasterId r:id="rId11"/>
   </p:handoutMasterIdLst>
   <p:sldIdLst>
-    <p:sldId id="558" r:id="rId2"/>
-    <p:sldId id="565" r:id="rId3"/>
-    <p:sldId id="560" r:id="rId4"/>
-    <p:sldId id="566" r:id="rId5"/>
-    <p:sldId id="562" r:id="rId6"/>
-    <p:sldId id="559" r:id="rId7"/>
-    <p:sldId id="564" r:id="rId8"/>
+    <p:sldId id="567" r:id="rId2"/>
+    <p:sldId id="558" r:id="rId3"/>
+    <p:sldId id="565" r:id="rId4"/>
+    <p:sldId id="568" r:id="rId5"/>
+    <p:sldId id="560" r:id="rId6"/>
+    <p:sldId id="562" r:id="rId7"/>
+    <p:sldId id="559" r:id="rId8"/>
+    <p:sldId id="564" r:id="rId9"/>
   </p:sldIdLst>
   <p:sldSz cx="12192000" cy="6858000"/>
   <p:notesSz cx="6858000" cy="9144000"/>
@@ -4095,6 +4096,210 @@
       </p:grpSpPr>
       <p:sp>
         <p:nvSpPr>
+          <p:cNvPr id="4" name="Rectángulo 3">
+            <a:extLst>
+              <a:ext uri="{FF2B5EF4-FFF2-40B4-BE49-F238E27FC236}">
+                <a16:creationId xmlns:a16="http://schemas.microsoft.com/office/drawing/2014/main" id="{D1149976-59ED-86DE-CAFB-F26E38C394F4}"/>
+              </a:ext>
+            </a:extLst>
+          </p:cNvPr>
+          <p:cNvSpPr/>
+          <p:nvPr/>
+        </p:nvSpPr>
+        <p:spPr>
+          <a:xfrm>
+            <a:off x="3423628" y="3954050"/>
+            <a:ext cx="5344743" cy="369332"/>
+          </a:xfrm>
+          <a:prstGeom prst="rect">
+            <a:avLst/>
+          </a:prstGeom>
+        </p:spPr>
+        <p:txBody>
+          <a:bodyPr wrap="square">
+            <a:spAutoFit/>
+          </a:bodyPr>
+          <a:lstStyle/>
+          <a:p>
+            <a:pPr>
+              <a:lnSpc>
+                <a:spcPct val="90000"/>
+              </a:lnSpc>
+              <a:spcBef>
+                <a:spcPct val="0"/>
+              </a:spcBef>
+              <a:defRPr sz="4000"/>
+            </a:pPr>
+            <a:endParaRPr lang="es-ES_tradnl" sz="2000" dirty="0">
+              <a:solidFill>
+                <a:schemeClr val="bg1"/>
+              </a:solidFill>
+              <a:latin typeface="Work Sans Medium Roman" pitchFamily="2" charset="77"/>
+              <a:ea typeface="+mj-ea"/>
+              <a:cs typeface="+mj-cs"/>
+              <a:sym typeface="Calibri"/>
+            </a:endParaRPr>
+          </a:p>
+        </p:txBody>
+      </p:sp>
+      <p:sp>
+        <p:nvSpPr>
+          <p:cNvPr id="5" name="CuadroTexto 4">
+            <a:extLst>
+              <a:ext uri="{FF2B5EF4-FFF2-40B4-BE49-F238E27FC236}">
+                <a16:creationId xmlns:a16="http://schemas.microsoft.com/office/drawing/2014/main" id="{35BFFB67-C3D4-337D-C327-AB25D270EADA}"/>
+              </a:ext>
+            </a:extLst>
+          </p:cNvPr>
+          <p:cNvSpPr txBox="1"/>
+          <p:nvPr/>
+        </p:nvSpPr>
+        <p:spPr>
+          <a:xfrm>
+            <a:off x="-559208" y="2598003"/>
+            <a:ext cx="13490187" cy="830997"/>
+          </a:xfrm>
+          <a:prstGeom prst="rect">
+            <a:avLst/>
+          </a:prstGeom>
+          <a:noFill/>
+        </p:spPr>
+        <p:txBody>
+          <a:bodyPr wrap="square" rtlCol="0">
+            <a:spAutoFit/>
+          </a:bodyPr>
+          <a:lstStyle/>
+          <a:p>
+            <a:pPr marL="0" marR="0" lvl="0" indent="0" algn="ctr" defTabSz="914400" rtl="0" eaLnBrk="1" fontAlgn="auto" latinLnBrk="0" hangingPunct="1">
+              <a:lnSpc>
+                <a:spcPct val="100000"/>
+              </a:lnSpc>
+              <a:spcBef>
+                <a:spcPts val="0"/>
+              </a:spcBef>
+              <a:spcAft>
+                <a:spcPts val="0"/>
+              </a:spcAft>
+              <a:buClrTx/>
+              <a:buSzTx/>
+              <a:buFontTx/>
+              <a:buNone/>
+              <a:tabLst/>
+              <a:defRPr/>
+            </a:pPr>
+            <a:r>
+              <a:rPr lang="es-MX" sz="4800" b="1" dirty="0">
+                <a:solidFill>
+                  <a:schemeClr val="bg1"/>
+                </a:solidFill>
+                <a:latin typeface="WORK SANS BOLD ROMAN" pitchFamily="2" charset="77"/>
+              </a:rPr>
+              <a:t>REQUERIMIENTOS FUNCIONALES</a:t>
+            </a:r>
+            <a:endParaRPr kumimoji="0" lang="es-CO" sz="4800" b="1" u="none" strike="noStrike" kern="1200" cap="none" spc="0" normalizeH="0" baseline="0" noProof="0" dirty="0">
+              <a:ln>
+                <a:noFill/>
+              </a:ln>
+              <a:solidFill>
+                <a:schemeClr val="bg1"/>
+              </a:solidFill>
+              <a:effectLst/>
+              <a:uLnTx/>
+              <a:uFillTx/>
+              <a:latin typeface="WORK SANS BOLD ROMAN" pitchFamily="2" charset="77"/>
+            </a:endParaRPr>
+          </a:p>
+        </p:txBody>
+      </p:sp>
+      <p:cxnSp>
+        <p:nvCxnSpPr>
+          <p:cNvPr id="6" name="Conector recto 5">
+            <a:extLst>
+              <a:ext uri="{FF2B5EF4-FFF2-40B4-BE49-F238E27FC236}">
+                <a16:creationId xmlns:a16="http://schemas.microsoft.com/office/drawing/2014/main" id="{38CE8666-1D2A-4D01-34E5-54FD74A39FC0}"/>
+              </a:ext>
+            </a:extLst>
+          </p:cNvPr>
+          <p:cNvCxnSpPr>
+            <a:cxnSpLocks/>
+          </p:cNvCxnSpPr>
+          <p:nvPr/>
+        </p:nvCxnSpPr>
+        <p:spPr>
+          <a:xfrm>
+            <a:off x="5013630" y="3555133"/>
+            <a:ext cx="2247544" cy="0"/>
+          </a:xfrm>
+          <a:prstGeom prst="line">
+            <a:avLst/>
+          </a:prstGeom>
+          <a:ln w="12700">
+            <a:solidFill>
+              <a:schemeClr val="bg1"/>
+            </a:solidFill>
+          </a:ln>
+        </p:spPr>
+        <p:style>
+          <a:lnRef idx="1">
+            <a:schemeClr val="accent1"/>
+          </a:lnRef>
+          <a:fillRef idx="0">
+            <a:schemeClr val="accent1"/>
+          </a:fillRef>
+          <a:effectRef idx="0">
+            <a:schemeClr val="accent1"/>
+          </a:effectRef>
+          <a:fontRef idx="minor">
+            <a:schemeClr val="tx1"/>
+          </a:fontRef>
+        </p:style>
+      </p:cxnSp>
+    </p:spTree>
+    <p:extLst>
+      <p:ext uri="{BB962C8B-B14F-4D97-AF65-F5344CB8AC3E}">
+        <p14:creationId xmlns:p14="http://schemas.microsoft.com/office/powerpoint/2010/main" val="3817879788"/>
+      </p:ext>
+    </p:extLst>
+  </p:cSld>
+  <p:clrMapOvr>
+    <a:masterClrMapping/>
+  </p:clrMapOvr>
+</p:sld>
+</file>
+
+<file path=ppt/slides/slide2.xml><?xml version="1.0" encoding="utf-8"?>
+<p:sld xmlns:a="http://schemas.openxmlformats.org/drawingml/2006/main" xmlns:r="http://schemas.openxmlformats.org/officeDocument/2006/relationships" xmlns:p="http://schemas.openxmlformats.org/presentationml/2006/main">
+  <p:cSld>
+    <p:bg>
+      <p:bgPr>
+        <a:blipFill dpi="0" rotWithShape="1">
+          <a:blip r:embed="rId2">
+            <a:lum/>
+          </a:blip>
+          <a:srcRect/>
+          <a:stretch>
+            <a:fillRect/>
+          </a:stretch>
+        </a:blipFill>
+        <a:effectLst/>
+      </p:bgPr>
+    </p:bg>
+    <p:spTree>
+      <p:nvGrpSpPr>
+        <p:cNvPr id="1" name=""/>
+        <p:cNvGrpSpPr/>
+        <p:nvPr/>
+      </p:nvGrpSpPr>
+      <p:grpSpPr>
+        <a:xfrm>
+          <a:off x="0" y="0"/>
+          <a:ext cx="0" cy="0"/>
+          <a:chOff x="0" y="0"/>
+          <a:chExt cx="0" cy="0"/>
+        </a:xfrm>
+      </p:grpSpPr>
+      <p:sp>
+        <p:nvSpPr>
           <p:cNvPr id="2" name="CuadroTexto 1">
             <a:extLst>
               <a:ext uri="{FF2B5EF4-FFF2-40B4-BE49-F238E27FC236}">
@@ -4207,14 +4412,14 @@
           <p:nvPr>
             <p:extLst>
               <p:ext uri="{D42A27DB-BD31-4B8C-83A1-F6EECF244321}">
-                <p14:modId xmlns:p14="http://schemas.microsoft.com/office/powerpoint/2010/main" val="2325220870"/>
+                <p14:modId xmlns:p14="http://schemas.microsoft.com/office/powerpoint/2010/main" val="1279798233"/>
               </p:ext>
             </p:extLst>
           </p:nvPr>
         </p:nvGraphicFramePr>
         <p:xfrm>
-          <a:off x="731998" y="1684962"/>
-          <a:ext cx="9997521" cy="4837318"/>
+          <a:off x="770098" y="1361112"/>
+          <a:ext cx="9997521" cy="5241789"/>
         </p:xfrm>
         <a:graphic>
           <a:graphicData uri="http://schemas.openxmlformats.org/drawingml/2006/table">
@@ -4307,12 +4512,12 @@
                     <a:p>
                       <a:pPr algn="ctr"/>
                       <a:r>
-                        <a:rPr lang="es-ES" dirty="0">
+                        <a:rPr lang="es-MX" dirty="0">
                           <a:solidFill>
                             <a:schemeClr val="tx1"/>
                           </a:solidFill>
                         </a:rPr>
-                        <a:t>Categoría</a:t>
+                        <a:t>Prioridad</a:t>
                       </a:r>
                       <a:endParaRPr lang="es-CO" dirty="0">
                         <a:solidFill>
@@ -4372,7 +4577,7 @@
                       <a:pPr algn="ctr"/>
                       <a:r>
                         <a:rPr lang="es-MX" dirty="0"/>
-                        <a:t>Autenticación</a:t>
+                        <a:t>Alta</a:t>
                       </a:r>
                       <a:endParaRPr lang="es-CO" dirty="0"/>
                     </a:p>
@@ -4385,7 +4590,7 @@
                   </a:ext>
                 </a:extLst>
               </a:tr>
-              <a:tr h="601369">
+              <a:tr h="0">
                 <a:tc>
                   <a:txBody>
                     <a:bodyPr/>
@@ -4405,10 +4610,38 @@
                     <a:bodyPr/>
                     <a:lstStyle/>
                     <a:p>
-                      <a:r>
-                        <a:rPr lang="es-MX" sz="1600" dirty="0"/>
-                        <a:t>Los clientes podrán reservar turnos seleccionando una fecha y hora disponibles</a:t>
-                      </a:r>
+                      <a:pPr marL="0" marR="0" lvl="0" indent="0" algn="l" defTabSz="914400" rtl="0" eaLnBrk="1" fontAlgn="auto" latinLnBrk="0" hangingPunct="1">
+                        <a:lnSpc>
+                          <a:spcPct val="100000"/>
+                        </a:lnSpc>
+                        <a:spcBef>
+                          <a:spcPts val="0"/>
+                        </a:spcBef>
+                        <a:spcAft>
+                          <a:spcPts val="0"/>
+                        </a:spcAft>
+                        <a:buClrTx/>
+                        <a:buSzTx/>
+                        <a:buFontTx/>
+                        <a:buNone/>
+                        <a:tabLst/>
+                        <a:defRPr/>
+                      </a:pPr>
+                      <a:r>
+                        <a:rPr lang="es-MX" sz="1600" b="0" dirty="0">
+                          <a:solidFill>
+                            <a:schemeClr val="tx1"/>
+                          </a:solidFill>
+                        </a:rPr>
+                        <a:t>El sistema permitirá a los clientes iniciar sesión proporcionando los datos requeridos como lo son (Correo electrónico y Contraseña)</a:t>
+                      </a:r>
+                      <a:endParaRPr lang="es-CO" sz="1600" b="0" dirty="0">
+                        <a:solidFill>
+                          <a:schemeClr val="tx1"/>
+                        </a:solidFill>
+                      </a:endParaRPr>
+                    </a:p>
+                    <a:p>
                       <a:endParaRPr lang="es-CO" sz="1600" dirty="0"/>
                     </a:p>
                   </a:txBody>
@@ -4422,7 +4655,7 @@
                       <a:pPr algn="ctr"/>
                       <a:r>
                         <a:rPr lang="es-MX" dirty="0"/>
-                        <a:t>Usabilidad</a:t>
+                        <a:t>Alta </a:t>
                       </a:r>
                       <a:endParaRPr lang="es-CO" dirty="0"/>
                     </a:p>
@@ -4457,7 +4690,7 @@
                     <a:p>
                       <a:r>
                         <a:rPr lang="es-MX" sz="1600" dirty="0"/>
-                        <a:t>El administrador podrá editar y publicar los productos en venta </a:t>
+                        <a:t>El sistema permitirá a los barberos ingresar y obtener sus propias funciones </a:t>
                       </a:r>
                       <a:endParaRPr lang="es-CO" sz="1600" dirty="0"/>
                     </a:p>
@@ -4472,7 +4705,7 @@
                       <a:pPr algn="ctr"/>
                       <a:r>
                         <a:rPr lang="es-MX" dirty="0"/>
-                        <a:t>Autorización</a:t>
+                        <a:t>Alta</a:t>
                       </a:r>
                       <a:endParaRPr lang="es-CO" dirty="0"/>
                     </a:p>
@@ -4522,7 +4755,7 @@
                       <a:pPr algn="ctr"/>
                       <a:r>
                         <a:rPr lang="es-MX" dirty="0"/>
-                        <a:t>Usabilidad</a:t>
+                        <a:t>Alta </a:t>
                       </a:r>
                       <a:endParaRPr lang="es-CO" dirty="0"/>
                     </a:p>
@@ -4572,7 +4805,7 @@
                       <a:pPr algn="ctr"/>
                       <a:r>
                         <a:rPr lang="es-ES" dirty="0"/>
-                        <a:t>Usabilidad</a:t>
+                        <a:t>Alta</a:t>
                       </a:r>
                       <a:endParaRPr lang="es-CO" dirty="0"/>
                     </a:p>
@@ -4622,7 +4855,7 @@
                       <a:pPr algn="ctr"/>
                       <a:r>
                         <a:rPr lang="es-MX" dirty="0"/>
-                        <a:t>Transacciones y operaciones</a:t>
+                        <a:t>Alta</a:t>
                       </a:r>
                       <a:endParaRPr lang="es-CO" dirty="0"/>
                     </a:p>
@@ -4672,7 +4905,7 @@
                       <a:pPr algn="ctr"/>
                       <a:r>
                         <a:rPr lang="es-MX" dirty="0"/>
-                        <a:t>Accesibilidad</a:t>
+                        <a:t>Media</a:t>
                       </a:r>
                       <a:endParaRPr lang="es-CO" dirty="0"/>
                     </a:p>
@@ -4702,7 +4935,7 @@
 </p:sld>
 </file>
 
-<file path=ppt/slides/slide2.xml><?xml version="1.0" encoding="utf-8"?>
+<file path=ppt/slides/slide3.xml><?xml version="1.0" encoding="utf-8"?>
 <p:sld xmlns:a="http://schemas.openxmlformats.org/drawingml/2006/main" xmlns:r="http://schemas.openxmlformats.org/officeDocument/2006/relationships" xmlns:p="http://schemas.openxmlformats.org/presentationml/2006/main">
   <p:cSld>
     <p:bg>
@@ -4748,14 +4981,14 @@
           <p:nvPr>
             <p:extLst>
               <p:ext uri="{D42A27DB-BD31-4B8C-83A1-F6EECF244321}">
-                <p14:modId xmlns:p14="http://schemas.microsoft.com/office/powerpoint/2010/main" val="2393175873"/>
+                <p14:modId xmlns:p14="http://schemas.microsoft.com/office/powerpoint/2010/main" val="3757784635"/>
               </p:ext>
             </p:extLst>
           </p:nvPr>
         </p:nvGraphicFramePr>
         <p:xfrm>
-          <a:off x="648108" y="159895"/>
-          <a:ext cx="9997521" cy="5869692"/>
+          <a:off x="667158" y="121795"/>
+          <a:ext cx="9997521" cy="6154586"/>
         </p:xfrm>
         <a:graphic>
           <a:graphicData uri="http://schemas.openxmlformats.org/drawingml/2006/table">
@@ -4786,7 +5019,7 @@
                   </a:extLst>
                 </a:gridCol>
               </a:tblGrid>
-              <a:tr h="811698">
+              <a:tr h="564005">
                 <a:tc>
                   <a:txBody>
                     <a:bodyPr/>
@@ -4819,8 +5052,19 @@
                     <a:bodyPr/>
                     <a:lstStyle/>
                     <a:p>
-                      <a:pPr algn="l"/>
-                      <a:endParaRPr lang="es-CO" sz="1600" dirty="0"/>
+                      <a:r>
+                        <a:rPr lang="es-MX" sz="1600" b="0" dirty="0">
+                          <a:solidFill>
+                            <a:schemeClr val="tx1"/>
+                          </a:solidFill>
+                        </a:rPr>
+                        <a:t>El sistema permitirá al administrador crear los productos en venta</a:t>
+                      </a:r>
+                      <a:endParaRPr lang="es-CO" sz="1600" b="0" dirty="0">
+                        <a:solidFill>
+                          <a:schemeClr val="tx1"/>
+                        </a:solidFill>
+                      </a:endParaRPr>
                     </a:p>
                   </a:txBody>
                   <a:tcPr>
@@ -4835,7 +5079,19 @@
                     <a:lstStyle/>
                     <a:p>
                       <a:pPr algn="ctr"/>
-                      <a:endParaRPr lang="es-CO" dirty="0"/>
+                      <a:r>
+                        <a:rPr lang="es-MX" b="0" dirty="0">
+                          <a:solidFill>
+                            <a:schemeClr val="tx1"/>
+                          </a:solidFill>
+                        </a:rPr>
+                        <a:t>Alta</a:t>
+                      </a:r>
+                      <a:endParaRPr lang="es-CO" b="0" dirty="0">
+                        <a:solidFill>
+                          <a:schemeClr val="tx1"/>
+                        </a:solidFill>
+                      </a:endParaRPr>
                     </a:p>
                   </a:txBody>
                   <a:tcPr>
@@ -4850,7 +5106,7 @@
                   </a:ext>
                 </a:extLst>
               </a:tr>
-              <a:tr h="803310">
+              <a:tr h="695325">
                 <a:tc>
                   <a:txBody>
                     <a:bodyPr/>
@@ -4870,6 +5126,10 @@
                     <a:bodyPr/>
                     <a:lstStyle/>
                     <a:p>
+                      <a:r>
+                        <a:rPr lang="es-MX" sz="1600" dirty="0"/>
+                        <a:t>Los clientes podrán reservar turnos seleccionando una fecha y hora disponibles</a:t>
+                      </a:r>
                       <a:endParaRPr lang="es-CO" sz="1600" dirty="0"/>
                     </a:p>
                   </a:txBody>
@@ -4881,6 +5141,10 @@
                     <a:lstStyle/>
                     <a:p>
                       <a:pPr algn="ctr"/>
+                      <a:r>
+                        <a:rPr lang="es-MX" dirty="0"/>
+                        <a:t>Alta </a:t>
+                      </a:r>
                       <a:endParaRPr lang="es-CO" dirty="0"/>
                     </a:p>
                   </a:txBody>
@@ -4892,7 +5156,7 @@
                   </a:ext>
                 </a:extLst>
               </a:tr>
-              <a:tr h="642784">
+              <a:tr h="552450">
                 <a:tc>
                   <a:txBody>
                     <a:bodyPr/>
@@ -4912,7 +5176,19 @@
                     <a:bodyPr/>
                     <a:lstStyle/>
                     <a:p>
-                      <a:endParaRPr lang="es-CO" sz="1600" dirty="0"/>
+                      <a:r>
+                        <a:rPr lang="es-MX" sz="1600" b="0" dirty="0">
+                          <a:solidFill>
+                            <a:schemeClr val="tx1"/>
+                          </a:solidFill>
+                        </a:rPr>
+                        <a:t>El sistema permitirá al Administrador eliminar y agregar a los barberos </a:t>
+                      </a:r>
+                      <a:endParaRPr lang="es-CO" sz="1600" b="0" dirty="0">
+                        <a:solidFill>
+                          <a:schemeClr val="tx1"/>
+                        </a:solidFill>
+                      </a:endParaRPr>
                     </a:p>
                   </a:txBody>
                   <a:tcPr/>
@@ -4923,7 +5199,19 @@
                     <a:lstStyle/>
                     <a:p>
                       <a:pPr algn="ctr"/>
-                      <a:endParaRPr lang="es-CO" dirty="0"/>
+                      <a:r>
+                        <a:rPr lang="es-MX" dirty="0">
+                          <a:solidFill>
+                            <a:schemeClr val="tx1"/>
+                          </a:solidFill>
+                        </a:rPr>
+                        <a:t>Alta</a:t>
+                      </a:r>
+                      <a:endParaRPr lang="es-CO" dirty="0">
+                        <a:solidFill>
+                          <a:schemeClr val="tx1"/>
+                        </a:solidFill>
+                      </a:endParaRPr>
                     </a:p>
                   </a:txBody>
                   <a:tcPr/>
@@ -4934,7 +5222,7 @@
                   </a:ext>
                 </a:extLst>
               </a:tr>
-              <a:tr h="616332">
+              <a:tr h="421005">
                 <a:tc>
                   <a:txBody>
                     <a:bodyPr/>
@@ -4954,7 +5242,19 @@
                     <a:bodyPr/>
                     <a:lstStyle/>
                     <a:p>
-                      <a:endParaRPr lang="es-CO" sz="1600" dirty="0"/>
+                      <a:r>
+                        <a:rPr lang="es-MX" sz="1600" b="0" dirty="0">
+                          <a:solidFill>
+                            <a:schemeClr val="tx1"/>
+                          </a:solidFill>
+                        </a:rPr>
+                        <a:t>Los clientes podrán calificar el servicio de la Barberia </a:t>
+                      </a:r>
+                      <a:endParaRPr lang="es-CO" sz="1600" b="0" dirty="0">
+                        <a:solidFill>
+                          <a:schemeClr val="tx1"/>
+                        </a:solidFill>
+                      </a:endParaRPr>
                     </a:p>
                   </a:txBody>
                   <a:tcPr/>
@@ -4965,7 +5265,19 @@
                     <a:lstStyle/>
                     <a:p>
                       <a:pPr algn="ctr"/>
-                      <a:endParaRPr lang="es-CO" dirty="0"/>
+                      <a:r>
+                        <a:rPr lang="es-MX" dirty="0">
+                          <a:solidFill>
+                            <a:schemeClr val="tx1"/>
+                          </a:solidFill>
+                        </a:rPr>
+                        <a:t>Media  </a:t>
+                      </a:r>
+                      <a:endParaRPr lang="es-CO" dirty="0">
+                        <a:solidFill>
+                          <a:schemeClr val="tx1"/>
+                        </a:solidFill>
+                      </a:endParaRPr>
                     </a:p>
                   </a:txBody>
                   <a:tcPr/>
@@ -4976,7 +5288,7 @@
                   </a:ext>
                 </a:extLst>
               </a:tr>
-              <a:tr h="562915">
+              <a:tr h="485775">
                 <a:tc>
                   <a:txBody>
                     <a:bodyPr/>
@@ -4996,7 +5308,19 @@
                     <a:bodyPr/>
                     <a:lstStyle/>
                     <a:p>
-                      <a:endParaRPr lang="es-CO" sz="1600" dirty="0"/>
+                      <a:r>
+                        <a:rPr lang="es-MX" sz="1600" b="0" dirty="0">
+                          <a:solidFill>
+                            <a:schemeClr val="tx1"/>
+                          </a:solidFill>
+                        </a:rPr>
+                        <a:t>El sistema permitirá a los usuarios cerrar sesión </a:t>
+                      </a:r>
+                      <a:endParaRPr lang="es-CO" sz="1600" b="0" dirty="0">
+                        <a:solidFill>
+                          <a:schemeClr val="tx1"/>
+                        </a:solidFill>
+                      </a:endParaRPr>
                     </a:p>
                   </a:txBody>
                   <a:tcPr/>
@@ -5007,7 +5331,19 @@
                     <a:lstStyle/>
                     <a:p>
                       <a:pPr algn="ctr"/>
-                      <a:endParaRPr lang="es-CO" dirty="0"/>
+                      <a:r>
+                        <a:rPr lang="es-MX" dirty="0">
+                          <a:solidFill>
+                            <a:schemeClr val="tx1"/>
+                          </a:solidFill>
+                        </a:rPr>
+                        <a:t>Alta</a:t>
+                      </a:r>
+                      <a:endParaRPr lang="es-CO" dirty="0">
+                        <a:solidFill>
+                          <a:schemeClr val="tx1"/>
+                        </a:solidFill>
+                      </a:endParaRPr>
                     </a:p>
                   </a:txBody>
                   <a:tcPr/>
@@ -5018,7 +5354,7 @@
                   </a:ext>
                 </a:extLst>
               </a:tr>
-              <a:tr h="849735">
+              <a:tr h="668760">
                 <a:tc>
                   <a:txBody>
                     <a:bodyPr/>
@@ -5039,10 +5375,20 @@
                     <a:lstStyle/>
                     <a:p>
                       <a:r>
-                        <a:rPr lang="es-MX" sz="1600" dirty="0"/>
-                        <a:t> </a:t>
-                      </a:r>
-                      <a:endParaRPr lang="es-CO" sz="1600" dirty="0"/>
+                        <a:rPr lang="es-MX" sz="1600" b="0" dirty="0">
+                          <a:solidFill>
+                            <a:schemeClr val="tx1"/>
+                          </a:solidFill>
+                        </a:rPr>
+                        <a:t>El sistema permitirá al cliente consultar sin estar registrado  los servicios que se prestan, los barberos y los productos que se encuentran en venta </a:t>
+                      </a:r>
+                    </a:p>
+                    <a:p>
+                      <a:endParaRPr lang="es-CO" sz="1600" b="0" dirty="0">
+                        <a:solidFill>
+                          <a:schemeClr val="tx1"/>
+                        </a:solidFill>
+                      </a:endParaRPr>
                     </a:p>
                   </a:txBody>
                   <a:tcPr/>
@@ -5053,7 +5399,19 @@
                     <a:lstStyle/>
                     <a:p>
                       <a:pPr algn="ctr"/>
-                      <a:endParaRPr lang="es-CO" dirty="0"/>
+                      <a:r>
+                        <a:rPr lang="es-MX" dirty="0">
+                          <a:solidFill>
+                            <a:schemeClr val="tx1"/>
+                          </a:solidFill>
+                        </a:rPr>
+                        <a:t>Alta</a:t>
+                      </a:r>
+                      <a:endParaRPr lang="es-CO" dirty="0">
+                        <a:solidFill>
+                          <a:schemeClr val="tx1"/>
+                        </a:solidFill>
+                      </a:endParaRPr>
                     </a:p>
                   </a:txBody>
                   <a:tcPr/>
@@ -5085,10 +5443,18 @@
                     <a:lstStyle/>
                     <a:p>
                       <a:r>
-                        <a:rPr lang="es-MX" sz="1600" dirty="0"/>
-                        <a:t> </a:t>
-                      </a:r>
-                      <a:endParaRPr lang="es-CO" sz="1600" dirty="0"/>
+                        <a:rPr lang="es-MX" sz="1600" b="0" dirty="0">
+                          <a:solidFill>
+                            <a:schemeClr val="tx1"/>
+                          </a:solidFill>
+                        </a:rPr>
+                        <a:t>El sistema permitirá saber al clientes que tiene un turno reservado </a:t>
+                      </a:r>
+                      <a:endParaRPr lang="es-CO" sz="1600" b="0" dirty="0">
+                        <a:solidFill>
+                          <a:schemeClr val="tx1"/>
+                        </a:solidFill>
+                      </a:endParaRPr>
                     </a:p>
                   </a:txBody>
                   <a:tcPr/>
@@ -5099,7 +5465,19 @@
                     <a:lstStyle/>
                     <a:p>
                       <a:pPr algn="ctr"/>
-                      <a:endParaRPr lang="es-CO" dirty="0"/>
+                      <a:r>
+                        <a:rPr lang="es-MX" dirty="0">
+                          <a:solidFill>
+                            <a:schemeClr val="tx1"/>
+                          </a:solidFill>
+                        </a:rPr>
+                        <a:t>Alta</a:t>
+                      </a:r>
+                      <a:endParaRPr lang="es-CO" dirty="0">
+                        <a:solidFill>
+                          <a:schemeClr val="tx1"/>
+                        </a:solidFill>
+                      </a:endParaRPr>
                     </a:p>
                   </a:txBody>
                   <a:tcPr/>
@@ -5130,7 +5508,19 @@
                     <a:bodyPr/>
                     <a:lstStyle/>
                     <a:p>
-                      <a:endParaRPr lang="es-CO" sz="1600" dirty="0"/>
+                      <a:r>
+                        <a:rPr lang="es-MX" sz="1600" b="0" dirty="0">
+                          <a:solidFill>
+                            <a:schemeClr val="tx1"/>
+                          </a:solidFill>
+                        </a:rPr>
+                        <a:t>El sistema permitirá al administrador editar los productos en venta  </a:t>
+                      </a:r>
+                      <a:endParaRPr lang="es-CO" sz="1600" b="0" dirty="0">
+                        <a:solidFill>
+                          <a:schemeClr val="tx1"/>
+                        </a:solidFill>
+                      </a:endParaRPr>
                     </a:p>
                   </a:txBody>
                   <a:tcPr/>
@@ -5141,7 +5531,19 @@
                     <a:lstStyle/>
                     <a:p>
                       <a:pPr algn="ctr"/>
-                      <a:endParaRPr lang="es-CO" dirty="0"/>
+                      <a:r>
+                        <a:rPr lang="es-MX" dirty="0">
+                          <a:solidFill>
+                            <a:schemeClr val="tx1"/>
+                          </a:solidFill>
+                        </a:rPr>
+                        <a:t>Alta</a:t>
+                      </a:r>
+                      <a:endParaRPr lang="es-CO" dirty="0">
+                        <a:solidFill>
+                          <a:schemeClr val="tx1"/>
+                        </a:solidFill>
+                      </a:endParaRPr>
                     </a:p>
                   </a:txBody>
                   <a:tcPr/>
@@ -5149,6 +5551,72 @@
                 <a:extLst>
                   <a:ext uri="{0D108BD9-81ED-4DB2-BD59-A6C34878D82A}">
                     <a16:rowId xmlns:a16="http://schemas.microsoft.com/office/drawing/2014/main" val="4285677054"/>
+                  </a:ext>
+                </a:extLst>
+              </a:tr>
+              <a:tr h="744523">
+                <a:tc>
+                  <a:txBody>
+                    <a:bodyPr/>
+                    <a:lstStyle/>
+                    <a:p>
+                      <a:r>
+                        <a:rPr lang="es-MX" dirty="0"/>
+                        <a:t>RF16 </a:t>
+                      </a:r>
+                      <a:endParaRPr lang="es-CO" dirty="0"/>
+                    </a:p>
+                  </a:txBody>
+                  <a:tcPr/>
+                </a:tc>
+                <a:tc>
+                  <a:txBody>
+                    <a:bodyPr/>
+                    <a:lstStyle/>
+                    <a:p>
+                      <a:r>
+                        <a:rPr lang="es-MX" sz="1600" b="0" dirty="0">
+                          <a:solidFill>
+                            <a:schemeClr val="tx1"/>
+                          </a:solidFill>
+                        </a:rPr>
+                        <a:t>El sistema permitirá al administrador eliminar los productos en venta</a:t>
+                      </a:r>
+                      <a:endParaRPr lang="es-CO" sz="1600" b="0" dirty="0">
+                        <a:solidFill>
+                          <a:schemeClr val="tx1"/>
+                        </a:solidFill>
+                      </a:endParaRPr>
+                    </a:p>
+                  </a:txBody>
+                  <a:tcPr/>
+                </a:tc>
+                <a:tc>
+                  <a:txBody>
+                    <a:bodyPr/>
+                    <a:lstStyle/>
+                    <a:p>
+                      <a:pPr algn="ctr"/>
+                      <a:r>
+                        <a:rPr lang="es-MX" dirty="0">
+                          <a:solidFill>
+                            <a:schemeClr val="tx1"/>
+                          </a:solidFill>
+                        </a:rPr>
+                        <a:t>Alta</a:t>
+                      </a:r>
+                      <a:endParaRPr lang="es-CO" dirty="0">
+                        <a:solidFill>
+                          <a:schemeClr val="tx1"/>
+                        </a:solidFill>
+                      </a:endParaRPr>
+                    </a:p>
+                  </a:txBody>
+                  <a:tcPr/>
+                </a:tc>
+                <a:extLst>
+                  <a:ext uri="{0D108BD9-81ED-4DB2-BD59-A6C34878D82A}">
+                    <a16:rowId xmlns:a16="http://schemas.microsoft.com/office/drawing/2014/main" val="2513499004"/>
                   </a:ext>
                 </a:extLst>
               </a:tr>
@@ -5169,7 +5637,211 @@
 </p:sld>
 </file>
 
-<file path=ppt/slides/slide3.xml><?xml version="1.0" encoding="utf-8"?>
+<file path=ppt/slides/slide4.xml><?xml version="1.0" encoding="utf-8"?>
+<p:sld xmlns:a="http://schemas.openxmlformats.org/drawingml/2006/main" xmlns:r="http://schemas.openxmlformats.org/officeDocument/2006/relationships" xmlns:p="http://schemas.openxmlformats.org/presentationml/2006/main">
+  <p:cSld>
+    <p:bg>
+      <p:bgPr>
+        <a:blipFill dpi="0" rotWithShape="1">
+          <a:blip r:embed="rId2">
+            <a:lum/>
+          </a:blip>
+          <a:srcRect/>
+          <a:stretch>
+            <a:fillRect/>
+          </a:stretch>
+        </a:blipFill>
+        <a:effectLst/>
+      </p:bgPr>
+    </p:bg>
+    <p:spTree>
+      <p:nvGrpSpPr>
+        <p:cNvPr id="1" name=""/>
+        <p:cNvGrpSpPr/>
+        <p:nvPr/>
+      </p:nvGrpSpPr>
+      <p:grpSpPr>
+        <a:xfrm>
+          <a:off x="0" y="0"/>
+          <a:ext cx="0" cy="0"/>
+          <a:chOff x="0" y="0"/>
+          <a:chExt cx="0" cy="0"/>
+        </a:xfrm>
+      </p:grpSpPr>
+      <p:sp>
+        <p:nvSpPr>
+          <p:cNvPr id="4" name="Rectángulo 3">
+            <a:extLst>
+              <a:ext uri="{FF2B5EF4-FFF2-40B4-BE49-F238E27FC236}">
+                <a16:creationId xmlns:a16="http://schemas.microsoft.com/office/drawing/2014/main" id="{D1149976-59ED-86DE-CAFB-F26E38C394F4}"/>
+              </a:ext>
+            </a:extLst>
+          </p:cNvPr>
+          <p:cNvSpPr/>
+          <p:nvPr/>
+        </p:nvSpPr>
+        <p:spPr>
+          <a:xfrm>
+            <a:off x="3423628" y="3954050"/>
+            <a:ext cx="5344743" cy="369332"/>
+          </a:xfrm>
+          <a:prstGeom prst="rect">
+            <a:avLst/>
+          </a:prstGeom>
+        </p:spPr>
+        <p:txBody>
+          <a:bodyPr wrap="square">
+            <a:spAutoFit/>
+          </a:bodyPr>
+          <a:lstStyle/>
+          <a:p>
+            <a:pPr>
+              <a:lnSpc>
+                <a:spcPct val="90000"/>
+              </a:lnSpc>
+              <a:spcBef>
+                <a:spcPct val="0"/>
+              </a:spcBef>
+              <a:defRPr sz="4000"/>
+            </a:pPr>
+            <a:endParaRPr lang="es-ES_tradnl" sz="2000" dirty="0">
+              <a:solidFill>
+                <a:schemeClr val="bg1"/>
+              </a:solidFill>
+              <a:latin typeface="Work Sans Medium Roman" pitchFamily="2" charset="77"/>
+              <a:ea typeface="+mj-ea"/>
+              <a:cs typeface="+mj-cs"/>
+              <a:sym typeface="Calibri"/>
+            </a:endParaRPr>
+          </a:p>
+        </p:txBody>
+      </p:sp>
+      <p:sp>
+        <p:nvSpPr>
+          <p:cNvPr id="5" name="CuadroTexto 4">
+            <a:extLst>
+              <a:ext uri="{FF2B5EF4-FFF2-40B4-BE49-F238E27FC236}">
+                <a16:creationId xmlns:a16="http://schemas.microsoft.com/office/drawing/2014/main" id="{35BFFB67-C3D4-337D-C327-AB25D270EADA}"/>
+              </a:ext>
+            </a:extLst>
+          </p:cNvPr>
+          <p:cNvSpPr txBox="1"/>
+          <p:nvPr/>
+        </p:nvSpPr>
+        <p:spPr>
+          <a:xfrm>
+            <a:off x="-559208" y="2598003"/>
+            <a:ext cx="13490187" cy="830997"/>
+          </a:xfrm>
+          <a:prstGeom prst="rect">
+            <a:avLst/>
+          </a:prstGeom>
+          <a:noFill/>
+        </p:spPr>
+        <p:txBody>
+          <a:bodyPr wrap="square" rtlCol="0">
+            <a:spAutoFit/>
+          </a:bodyPr>
+          <a:lstStyle/>
+          <a:p>
+            <a:pPr marL="0" marR="0" lvl="0" indent="0" algn="ctr" defTabSz="914400" rtl="0" eaLnBrk="1" fontAlgn="auto" latinLnBrk="0" hangingPunct="1">
+              <a:lnSpc>
+                <a:spcPct val="100000"/>
+              </a:lnSpc>
+              <a:spcBef>
+                <a:spcPts val="0"/>
+              </a:spcBef>
+              <a:spcAft>
+                <a:spcPts val="0"/>
+              </a:spcAft>
+              <a:buClrTx/>
+              <a:buSzTx/>
+              <a:buFontTx/>
+              <a:buNone/>
+              <a:tabLst/>
+              <a:defRPr/>
+            </a:pPr>
+            <a:r>
+              <a:rPr lang="es-MX" sz="4800" b="1" dirty="0">
+                <a:solidFill>
+                  <a:schemeClr val="bg1"/>
+                </a:solidFill>
+                <a:latin typeface="WORK SANS BOLD ROMAN" pitchFamily="2" charset="77"/>
+              </a:rPr>
+              <a:t>REQUERIMIENTOS NO FUNCIONALES</a:t>
+            </a:r>
+            <a:endParaRPr kumimoji="0" lang="es-CO" sz="4800" b="1" u="none" strike="noStrike" kern="1200" cap="none" spc="0" normalizeH="0" baseline="0" noProof="0" dirty="0">
+              <a:ln>
+                <a:noFill/>
+              </a:ln>
+              <a:solidFill>
+                <a:schemeClr val="bg1"/>
+              </a:solidFill>
+              <a:effectLst/>
+              <a:uLnTx/>
+              <a:uFillTx/>
+              <a:latin typeface="WORK SANS BOLD ROMAN" pitchFamily="2" charset="77"/>
+            </a:endParaRPr>
+          </a:p>
+        </p:txBody>
+      </p:sp>
+      <p:cxnSp>
+        <p:nvCxnSpPr>
+          <p:cNvPr id="6" name="Conector recto 5">
+            <a:extLst>
+              <a:ext uri="{FF2B5EF4-FFF2-40B4-BE49-F238E27FC236}">
+                <a16:creationId xmlns:a16="http://schemas.microsoft.com/office/drawing/2014/main" id="{38CE8666-1D2A-4D01-34E5-54FD74A39FC0}"/>
+              </a:ext>
+            </a:extLst>
+          </p:cNvPr>
+          <p:cNvCxnSpPr>
+            <a:cxnSpLocks/>
+          </p:cNvCxnSpPr>
+          <p:nvPr/>
+        </p:nvCxnSpPr>
+        <p:spPr>
+          <a:xfrm>
+            <a:off x="5013630" y="3555133"/>
+            <a:ext cx="2247544" cy="0"/>
+          </a:xfrm>
+          <a:prstGeom prst="line">
+            <a:avLst/>
+          </a:prstGeom>
+          <a:ln w="12700">
+            <a:solidFill>
+              <a:schemeClr val="bg1"/>
+            </a:solidFill>
+          </a:ln>
+        </p:spPr>
+        <p:style>
+          <a:lnRef idx="1">
+            <a:schemeClr val="accent1"/>
+          </a:lnRef>
+          <a:fillRef idx="0">
+            <a:schemeClr val="accent1"/>
+          </a:fillRef>
+          <a:effectRef idx="0">
+            <a:schemeClr val="accent1"/>
+          </a:effectRef>
+          <a:fontRef idx="minor">
+            <a:schemeClr val="tx1"/>
+          </a:fontRef>
+        </p:style>
+      </p:cxnSp>
+    </p:spTree>
+    <p:extLst>
+      <p:ext uri="{BB962C8B-B14F-4D97-AF65-F5344CB8AC3E}">
+        <p14:creationId xmlns:p14="http://schemas.microsoft.com/office/powerpoint/2010/main" val="4231524877"/>
+      </p:ext>
+    </p:extLst>
+  </p:cSld>
+  <p:clrMapOvr>
+    <a:masterClrMapping/>
+  </p:clrMapOvr>
+</p:sld>
+</file>
+
+<file path=ppt/slides/slide5.xml><?xml version="1.0" encoding="utf-8"?>
 <p:sld xmlns:a="http://schemas.openxmlformats.org/drawingml/2006/main" xmlns:r="http://schemas.openxmlformats.org/officeDocument/2006/relationships" xmlns:p="http://schemas.openxmlformats.org/presentationml/2006/main">
   <p:cSld>
     <p:bg>
@@ -5857,432 +6529,7 @@
 </p:sld>
 </file>
 
-<file path=ppt/slides/slide4.xml><?xml version="1.0" encoding="utf-8"?>
-<p:sld xmlns:a="http://schemas.openxmlformats.org/drawingml/2006/main" xmlns:r="http://schemas.openxmlformats.org/officeDocument/2006/relationships" xmlns:p="http://schemas.openxmlformats.org/presentationml/2006/main">
-  <p:cSld>
-    <p:bg>
-      <p:bgPr>
-        <a:blipFill dpi="0" rotWithShape="1">
-          <a:blip r:embed="rId2">
-            <a:lum/>
-          </a:blip>
-          <a:srcRect/>
-          <a:stretch>
-            <a:fillRect/>
-          </a:stretch>
-        </a:blipFill>
-        <a:effectLst/>
-      </p:bgPr>
-    </p:bg>
-    <p:spTree>
-      <p:nvGrpSpPr>
-        <p:cNvPr id="1" name=""/>
-        <p:cNvGrpSpPr/>
-        <p:nvPr/>
-      </p:nvGrpSpPr>
-      <p:grpSpPr>
-        <a:xfrm>
-          <a:off x="0" y="0"/>
-          <a:ext cx="0" cy="0"/>
-          <a:chOff x="0" y="0"/>
-          <a:chExt cx="0" cy="0"/>
-        </a:xfrm>
-      </p:grpSpPr>
-      <p:graphicFrame>
-        <p:nvGraphicFramePr>
-          <p:cNvPr id="6" name="Tabla 6">
-            <a:extLst>
-              <a:ext uri="{FF2B5EF4-FFF2-40B4-BE49-F238E27FC236}">
-                <a16:creationId xmlns:a16="http://schemas.microsoft.com/office/drawing/2014/main" id="{DAC85411-19E0-03F0-9C15-28B4C3BCDA8C}"/>
-              </a:ext>
-            </a:extLst>
-          </p:cNvPr>
-          <p:cNvGraphicFramePr>
-            <a:graphicFrameLocks noGrp="1"/>
-          </p:cNvGraphicFramePr>
-          <p:nvPr>
-            <p:extLst>
-              <p:ext uri="{D42A27DB-BD31-4B8C-83A1-F6EECF244321}">
-                <p14:modId xmlns:p14="http://schemas.microsoft.com/office/powerpoint/2010/main" val="2765824879"/>
-              </p:ext>
-            </p:extLst>
-          </p:nvPr>
-        </p:nvGraphicFramePr>
-        <p:xfrm>
-          <a:off x="824277" y="646456"/>
-          <a:ext cx="9997521" cy="5125169"/>
-        </p:xfrm>
-        <a:graphic>
-          <a:graphicData uri="http://schemas.openxmlformats.org/drawingml/2006/table">
-            <a:tbl>
-              <a:tblPr firstRow="1" bandRow="1">
-                <a:tableStyleId>{F5AB1C69-6EDB-4FF4-983F-18BD219EF322}</a:tableStyleId>
-              </a:tblPr>
-              <a:tblGrid>
-                <a:gridCol w="1937808">
-                  <a:extLst>
-                    <a:ext uri="{9D8B030D-6E8A-4147-A177-3AD203B41FA5}">
-                      <a16:colId xmlns:a16="http://schemas.microsoft.com/office/drawing/2014/main" val="1982207072"/>
-                    </a:ext>
-                  </a:extLst>
-                </a:gridCol>
-                <a:gridCol w="5256335">
-                  <a:extLst>
-                    <a:ext uri="{9D8B030D-6E8A-4147-A177-3AD203B41FA5}">
-                      <a16:colId xmlns:a16="http://schemas.microsoft.com/office/drawing/2014/main" val="848802416"/>
-                    </a:ext>
-                  </a:extLst>
-                </a:gridCol>
-                <a:gridCol w="2803378">
-                  <a:extLst>
-                    <a:ext uri="{9D8B030D-6E8A-4147-A177-3AD203B41FA5}">
-                      <a16:colId xmlns:a16="http://schemas.microsoft.com/office/drawing/2014/main" val="330951776"/>
-                    </a:ext>
-                  </a:extLst>
-                </a:gridCol>
-              </a:tblGrid>
-              <a:tr h="811698">
-                <a:tc>
-                  <a:txBody>
-                    <a:bodyPr/>
-                    <a:lstStyle/>
-                    <a:p>
-                      <a:pPr algn="l"/>
-                      <a:r>
-                        <a:rPr lang="es-MX" b="0" dirty="0">
-                          <a:solidFill>
-                            <a:schemeClr val="tx1"/>
-                          </a:solidFill>
-                        </a:rPr>
-                        <a:t>RNF9</a:t>
-                      </a:r>
-                      <a:endParaRPr lang="es-CO" b="0" dirty="0">
-                        <a:solidFill>
-                          <a:schemeClr val="tx1"/>
-                        </a:solidFill>
-                      </a:endParaRPr>
-                    </a:p>
-                  </a:txBody>
-                  <a:tcPr>
-                    <a:solidFill>
-                      <a:schemeClr val="bg2"/>
-                    </a:solidFill>
-                  </a:tcPr>
-                </a:tc>
-                <a:tc>
-                  <a:txBody>
-                    <a:bodyPr/>
-                    <a:lstStyle/>
-                    <a:p>
-                      <a:pPr algn="l"/>
-                      <a:endParaRPr lang="es-CO" sz="1600" dirty="0"/>
-                    </a:p>
-                  </a:txBody>
-                  <a:tcPr>
-                    <a:solidFill>
-                      <a:schemeClr val="bg2"/>
-                    </a:solidFill>
-                  </a:tcPr>
-                </a:tc>
-                <a:tc>
-                  <a:txBody>
-                    <a:bodyPr/>
-                    <a:lstStyle/>
-                    <a:p>
-                      <a:pPr algn="ctr"/>
-                      <a:endParaRPr lang="es-CO" dirty="0"/>
-                    </a:p>
-                  </a:txBody>
-                  <a:tcPr>
-                    <a:solidFill>
-                      <a:schemeClr val="bg2"/>
-                    </a:solidFill>
-                  </a:tcPr>
-                </a:tc>
-                <a:extLst>
-                  <a:ext uri="{0D108BD9-81ED-4DB2-BD59-A6C34878D82A}">
-                    <a16:rowId xmlns:a16="http://schemas.microsoft.com/office/drawing/2014/main" val="3206044640"/>
-                  </a:ext>
-                </a:extLst>
-              </a:tr>
-              <a:tr h="803310">
-                <a:tc>
-                  <a:txBody>
-                    <a:bodyPr/>
-                    <a:lstStyle/>
-                    <a:p>
-                      <a:r>
-                        <a:rPr lang="es-MX" dirty="0"/>
-                        <a:t>RNF10</a:t>
-                      </a:r>
-                      <a:endParaRPr lang="es-CO" dirty="0"/>
-                    </a:p>
-                  </a:txBody>
-                  <a:tcPr/>
-                </a:tc>
-                <a:tc>
-                  <a:txBody>
-                    <a:bodyPr/>
-                    <a:lstStyle/>
-                    <a:p>
-                      <a:endParaRPr lang="es-CO" sz="1600" dirty="0"/>
-                    </a:p>
-                  </a:txBody>
-                  <a:tcPr/>
-                </a:tc>
-                <a:tc>
-                  <a:txBody>
-                    <a:bodyPr/>
-                    <a:lstStyle/>
-                    <a:p>
-                      <a:pPr algn="ctr"/>
-                      <a:endParaRPr lang="es-CO" dirty="0"/>
-                    </a:p>
-                  </a:txBody>
-                  <a:tcPr/>
-                </a:tc>
-                <a:extLst>
-                  <a:ext uri="{0D108BD9-81ED-4DB2-BD59-A6C34878D82A}">
-                    <a16:rowId xmlns:a16="http://schemas.microsoft.com/office/drawing/2014/main" val="145561900"/>
-                  </a:ext>
-                </a:extLst>
-              </a:tr>
-              <a:tr h="642784">
-                <a:tc>
-                  <a:txBody>
-                    <a:bodyPr/>
-                    <a:lstStyle/>
-                    <a:p>
-                      <a:r>
-                        <a:rPr lang="es-MX" dirty="0"/>
-                        <a:t>RNF11</a:t>
-                      </a:r>
-                      <a:endParaRPr lang="es-CO" dirty="0"/>
-                    </a:p>
-                  </a:txBody>
-                  <a:tcPr/>
-                </a:tc>
-                <a:tc>
-                  <a:txBody>
-                    <a:bodyPr/>
-                    <a:lstStyle/>
-                    <a:p>
-                      <a:endParaRPr lang="es-CO" sz="1600" dirty="0"/>
-                    </a:p>
-                  </a:txBody>
-                  <a:tcPr/>
-                </a:tc>
-                <a:tc>
-                  <a:txBody>
-                    <a:bodyPr/>
-                    <a:lstStyle/>
-                    <a:p>
-                      <a:pPr algn="ctr"/>
-                      <a:endParaRPr lang="es-CO" dirty="0"/>
-                    </a:p>
-                  </a:txBody>
-                  <a:tcPr/>
-                </a:tc>
-                <a:extLst>
-                  <a:ext uri="{0D108BD9-81ED-4DB2-BD59-A6C34878D82A}">
-                    <a16:rowId xmlns:a16="http://schemas.microsoft.com/office/drawing/2014/main" val="1623252429"/>
-                  </a:ext>
-                </a:extLst>
-              </a:tr>
-              <a:tr h="616332">
-                <a:tc>
-                  <a:txBody>
-                    <a:bodyPr/>
-                    <a:lstStyle/>
-                    <a:p>
-                      <a:r>
-                        <a:rPr lang="es-MX" dirty="0"/>
-                        <a:t>RNF12</a:t>
-                      </a:r>
-                      <a:endParaRPr lang="es-CO" dirty="0"/>
-                    </a:p>
-                  </a:txBody>
-                  <a:tcPr/>
-                </a:tc>
-                <a:tc>
-                  <a:txBody>
-                    <a:bodyPr/>
-                    <a:lstStyle/>
-                    <a:p>
-                      <a:endParaRPr lang="es-CO" sz="1600" dirty="0"/>
-                    </a:p>
-                  </a:txBody>
-                  <a:tcPr/>
-                </a:tc>
-                <a:tc>
-                  <a:txBody>
-                    <a:bodyPr/>
-                    <a:lstStyle/>
-                    <a:p>
-                      <a:pPr algn="ctr"/>
-                      <a:endParaRPr lang="es-CO" dirty="0"/>
-                    </a:p>
-                  </a:txBody>
-                  <a:tcPr/>
-                </a:tc>
-                <a:extLst>
-                  <a:ext uri="{0D108BD9-81ED-4DB2-BD59-A6C34878D82A}">
-                    <a16:rowId xmlns:a16="http://schemas.microsoft.com/office/drawing/2014/main" val="3152256525"/>
-                  </a:ext>
-                </a:extLst>
-              </a:tr>
-              <a:tr h="562915">
-                <a:tc>
-                  <a:txBody>
-                    <a:bodyPr/>
-                    <a:lstStyle/>
-                    <a:p>
-                      <a:r>
-                        <a:rPr lang="es-MX" dirty="0"/>
-                        <a:t>RNF13</a:t>
-                      </a:r>
-                      <a:endParaRPr lang="es-CO" dirty="0"/>
-                    </a:p>
-                  </a:txBody>
-                  <a:tcPr/>
-                </a:tc>
-                <a:tc>
-                  <a:txBody>
-                    <a:bodyPr/>
-                    <a:lstStyle/>
-                    <a:p>
-                      <a:endParaRPr lang="es-CO" sz="1600" dirty="0"/>
-                    </a:p>
-                  </a:txBody>
-                  <a:tcPr/>
-                </a:tc>
-                <a:tc>
-                  <a:txBody>
-                    <a:bodyPr/>
-                    <a:lstStyle/>
-                    <a:p>
-                      <a:pPr algn="ctr"/>
-                      <a:endParaRPr lang="es-CO" dirty="0"/>
-                    </a:p>
-                  </a:txBody>
-                  <a:tcPr/>
-                </a:tc>
-                <a:extLst>
-                  <a:ext uri="{0D108BD9-81ED-4DB2-BD59-A6C34878D82A}">
-                    <a16:rowId xmlns:a16="http://schemas.microsoft.com/office/drawing/2014/main" val="2265616512"/>
-                  </a:ext>
-                </a:extLst>
-              </a:tr>
-              <a:tr h="849735">
-                <a:tc>
-                  <a:txBody>
-                    <a:bodyPr/>
-                    <a:lstStyle/>
-                    <a:p>
-                      <a:r>
-                        <a:rPr lang="es-MX" dirty="0"/>
-                        <a:t>RNF14</a:t>
-                      </a:r>
-                      <a:endParaRPr lang="es-CO" dirty="0"/>
-                    </a:p>
-                  </a:txBody>
-                  <a:tcPr/>
-                </a:tc>
-                <a:tc>
-                  <a:txBody>
-                    <a:bodyPr/>
-                    <a:lstStyle/>
-                    <a:p>
-                      <a:r>
-                        <a:rPr lang="es-MX" sz="1600" dirty="0"/>
-                        <a:t> </a:t>
-                      </a:r>
-                      <a:endParaRPr lang="es-CO" sz="1600" dirty="0"/>
-                    </a:p>
-                  </a:txBody>
-                  <a:tcPr/>
-                </a:tc>
-                <a:tc>
-                  <a:txBody>
-                    <a:bodyPr/>
-                    <a:lstStyle/>
-                    <a:p>
-                      <a:pPr algn="ctr"/>
-                      <a:endParaRPr lang="es-CO" dirty="0"/>
-                    </a:p>
-                  </a:txBody>
-                  <a:tcPr/>
-                </a:tc>
-                <a:extLst>
-                  <a:ext uri="{0D108BD9-81ED-4DB2-BD59-A6C34878D82A}">
-                    <a16:rowId xmlns:a16="http://schemas.microsoft.com/office/drawing/2014/main" val="4098121349"/>
-                  </a:ext>
-                </a:extLst>
-              </a:tr>
-              <a:tr h="838395">
-                <a:tc>
-                  <a:txBody>
-                    <a:bodyPr/>
-                    <a:lstStyle/>
-                    <a:p>
-                      <a:r>
-                        <a:rPr lang="es-MX" dirty="0"/>
-                        <a:t>RNF15</a:t>
-                      </a:r>
-                      <a:endParaRPr lang="es-CO" dirty="0"/>
-                    </a:p>
-                  </a:txBody>
-                  <a:tcPr/>
-                </a:tc>
-                <a:tc>
-                  <a:txBody>
-                    <a:bodyPr/>
-                    <a:lstStyle/>
-                    <a:p>
-                      <a:r>
-                        <a:rPr lang="es-MX" sz="1600" dirty="0"/>
-                        <a:t> </a:t>
-                      </a:r>
-                      <a:endParaRPr lang="es-CO" sz="1600" dirty="0"/>
-                    </a:p>
-                  </a:txBody>
-                  <a:tcPr/>
-                </a:tc>
-                <a:tc>
-                  <a:txBody>
-                    <a:bodyPr/>
-                    <a:lstStyle/>
-                    <a:p>
-                      <a:pPr algn="ctr"/>
-                      <a:endParaRPr lang="es-CO" dirty="0"/>
-                    </a:p>
-                  </a:txBody>
-                  <a:tcPr/>
-                </a:tc>
-                <a:extLst>
-                  <a:ext uri="{0D108BD9-81ED-4DB2-BD59-A6C34878D82A}">
-                    <a16:rowId xmlns:a16="http://schemas.microsoft.com/office/drawing/2014/main" val="1005002585"/>
-                  </a:ext>
-                </a:extLst>
-              </a:tr>
-            </a:tbl>
-          </a:graphicData>
-        </a:graphic>
-      </p:graphicFrame>
-    </p:spTree>
-    <p:extLst>
-      <p:ext uri="{BB962C8B-B14F-4D97-AF65-F5344CB8AC3E}">
-        <p14:creationId xmlns:p14="http://schemas.microsoft.com/office/powerpoint/2010/main" val="3864688856"/>
-      </p:ext>
-    </p:extLst>
-  </p:cSld>
-  <p:clrMapOvr>
-    <a:masterClrMapping/>
-  </p:clrMapOvr>
-</p:sld>
-</file>
-
-<file path=ppt/slides/slide5.xml><?xml version="1.0" encoding="utf-8"?>
+<file path=ppt/slides/slide6.xml><?xml version="1.0" encoding="utf-8"?>
 <p:sld xmlns:a="http://schemas.openxmlformats.org/drawingml/2006/main" xmlns:r="http://schemas.openxmlformats.org/officeDocument/2006/relationships" xmlns:p="http://schemas.openxmlformats.org/presentationml/2006/main">
   <p:cSld>
     <p:bg>
@@ -6492,7 +6739,7 @@
 </p:sld>
 </file>
 
-<file path=ppt/slides/slide6.xml><?xml version="1.0" encoding="utf-8"?>
+<file path=ppt/slides/slide7.xml><?xml version="1.0" encoding="utf-8"?>
 <p:sld xmlns:a="http://schemas.openxmlformats.org/drawingml/2006/main" xmlns:r="http://schemas.openxmlformats.org/officeDocument/2006/relationships" xmlns:p="http://schemas.openxmlformats.org/presentationml/2006/main">
   <p:cSld>
     <p:bg>
@@ -7128,7 +7375,7 @@
 </p:sld>
 </file>
 
-<file path=ppt/slides/slide7.xml><?xml version="1.0" encoding="utf-8"?>
+<file path=ppt/slides/slide8.xml><?xml version="1.0" encoding="utf-8"?>
 <p:sld xmlns:a="http://schemas.openxmlformats.org/drawingml/2006/main" xmlns:r="http://schemas.openxmlformats.org/officeDocument/2006/relationships" xmlns:p="http://schemas.openxmlformats.org/presentationml/2006/main">
   <p:cSld>
     <p:bg>

--- a/RF-RNF-HU.pptx
+++ b/RF-RNF-HU.pptx
@@ -238,7 +238,7 @@
           <a:p>
             <a:fld id="{88369B9F-131C-2846-AB8F-CEE154B4CAEB}" type="datetimeFigureOut">
               <a:rPr lang="es-CO" smtClean="0"/>
-              <a:t>3/04/2024</a:t>
+              <a:t>4/04/2024</a:t>
             </a:fld>
             <a:endParaRPr lang="es-CO" dirty="0"/>
           </a:p>
@@ -415,7 +415,7 @@
           <a:p>
             <a:fld id="{9660CB96-A603-FF42-AE46-F5F75F80A67B}" type="datetimeFigureOut">
               <a:rPr lang="es-CO" smtClean="0"/>
-              <a:t>3/04/2024</a:t>
+              <a:t>4/04/2024</a:t>
             </a:fld>
             <a:endParaRPr lang="es-CO" dirty="0"/>
           </a:p>
@@ -832,7 +832,7 @@
           <a:p>
             <a:fld id="{BD986248-06F7-A441-A47A-264EBD310E11}" type="datetimeFigureOut">
               <a:rPr lang="es-CO" smtClean="0"/>
-              <a:t>3/04/2024</a:t>
+              <a:t>4/04/2024</a:t>
             </a:fld>
             <a:endParaRPr lang="es-CO" dirty="0"/>
           </a:p>
@@ -1032,7 +1032,7 @@
           <a:p>
             <a:fld id="{BD986248-06F7-A441-A47A-264EBD310E11}" type="datetimeFigureOut">
               <a:rPr lang="es-CO" smtClean="0"/>
-              <a:t>3/04/2024</a:t>
+              <a:t>4/04/2024</a:t>
             </a:fld>
             <a:endParaRPr lang="es-CO" dirty="0"/>
           </a:p>
@@ -1242,7 +1242,7 @@
           <a:p>
             <a:fld id="{BD986248-06F7-A441-A47A-264EBD310E11}" type="datetimeFigureOut">
               <a:rPr lang="es-CO" smtClean="0"/>
-              <a:t>3/04/2024</a:t>
+              <a:t>4/04/2024</a:t>
             </a:fld>
             <a:endParaRPr lang="es-CO" dirty="0"/>
           </a:p>
@@ -1403,7 +1403,7 @@
           <a:p>
             <a:fld id="{BD986248-06F7-A441-A47A-264EBD310E11}" type="datetimeFigureOut">
               <a:rPr lang="es-CO" smtClean="0"/>
-              <a:t>3/04/2024</a:t>
+              <a:t>4/04/2024</a:t>
             </a:fld>
             <a:endParaRPr lang="es-CO" dirty="0"/>
           </a:p>
@@ -1603,7 +1603,7 @@
           <a:p>
             <a:fld id="{BD986248-06F7-A441-A47A-264EBD310E11}" type="datetimeFigureOut">
               <a:rPr lang="es-CO" smtClean="0"/>
-              <a:t>3/04/2024</a:t>
+              <a:t>4/04/2024</a:t>
             </a:fld>
             <a:endParaRPr lang="es-CO" dirty="0"/>
           </a:p>
@@ -1879,7 +1879,7 @@
           <a:p>
             <a:fld id="{BD986248-06F7-A441-A47A-264EBD310E11}" type="datetimeFigureOut">
               <a:rPr lang="es-CO" smtClean="0"/>
-              <a:t>3/04/2024</a:t>
+              <a:t>4/04/2024</a:t>
             </a:fld>
             <a:endParaRPr lang="es-CO" dirty="0"/>
           </a:p>
@@ -2147,7 +2147,7 @@
           <a:p>
             <a:fld id="{BD986248-06F7-A441-A47A-264EBD310E11}" type="datetimeFigureOut">
               <a:rPr lang="es-CO" smtClean="0"/>
-              <a:t>3/04/2024</a:t>
+              <a:t>4/04/2024</a:t>
             </a:fld>
             <a:endParaRPr lang="es-CO" dirty="0"/>
           </a:p>
@@ -2562,7 +2562,7 @@
           <a:p>
             <a:fld id="{BD986248-06F7-A441-A47A-264EBD310E11}" type="datetimeFigureOut">
               <a:rPr lang="es-CO" smtClean="0"/>
-              <a:t>3/04/2024</a:t>
+              <a:t>4/04/2024</a:t>
             </a:fld>
             <a:endParaRPr lang="es-CO" dirty="0"/>
           </a:p>
@@ -2704,7 +2704,7 @@
           <a:p>
             <a:fld id="{BD986248-06F7-A441-A47A-264EBD310E11}" type="datetimeFigureOut">
               <a:rPr lang="es-CO" smtClean="0"/>
-              <a:t>3/04/2024</a:t>
+              <a:t>4/04/2024</a:t>
             </a:fld>
             <a:endParaRPr lang="es-CO" dirty="0"/>
           </a:p>
@@ -2817,7 +2817,7 @@
           <a:p>
             <a:fld id="{BD986248-06F7-A441-A47A-264EBD310E11}" type="datetimeFigureOut">
               <a:rPr lang="es-CO" smtClean="0"/>
-              <a:t>3/04/2024</a:t>
+              <a:t>4/04/2024</a:t>
             </a:fld>
             <a:endParaRPr lang="es-CO" dirty="0"/>
           </a:p>
@@ -3130,7 +3130,7 @@
           <a:p>
             <a:fld id="{BD986248-06F7-A441-A47A-264EBD310E11}" type="datetimeFigureOut">
               <a:rPr lang="es-CO" smtClean="0"/>
-              <a:t>3/04/2024</a:t>
+              <a:t>4/04/2024</a:t>
             </a:fld>
             <a:endParaRPr lang="es-CO" dirty="0"/>
           </a:p>
@@ -3419,7 +3419,7 @@
           <a:p>
             <a:fld id="{BD986248-06F7-A441-A47A-264EBD310E11}" type="datetimeFigureOut">
               <a:rPr lang="es-CO" smtClean="0"/>
-              <a:t>3/04/2024</a:t>
+              <a:t>4/04/2024</a:t>
             </a:fld>
             <a:endParaRPr lang="es-CO" dirty="0"/>
           </a:p>
@@ -3662,7 +3662,7 @@
           <a:p>
             <a:fld id="{BD986248-06F7-A441-A47A-264EBD310E11}" type="datetimeFigureOut">
               <a:rPr lang="es-CO" smtClean="0"/>
-              <a:t>3/04/2024</a:t>
+              <a:t>4/04/2024</a:t>
             </a:fld>
             <a:endParaRPr lang="es-CO" dirty="0"/>
           </a:p>

--- a/RF-RNF-HU.pptx
+++ b/RF-RNF-HU.pptx
@@ -238,7 +238,7 @@
           <a:p>
             <a:fld id="{88369B9F-131C-2846-AB8F-CEE154B4CAEB}" type="datetimeFigureOut">
               <a:rPr lang="es-CO" smtClean="0"/>
-              <a:t>4/04/2024</a:t>
+              <a:t>5/04/2024</a:t>
             </a:fld>
             <a:endParaRPr lang="es-CO" dirty="0"/>
           </a:p>
@@ -415,7 +415,7 @@
           <a:p>
             <a:fld id="{9660CB96-A603-FF42-AE46-F5F75F80A67B}" type="datetimeFigureOut">
               <a:rPr lang="es-CO" smtClean="0"/>
-              <a:t>4/04/2024</a:t>
+              <a:t>5/04/2024</a:t>
             </a:fld>
             <a:endParaRPr lang="es-CO" dirty="0"/>
           </a:p>
@@ -832,7 +832,7 @@
           <a:p>
             <a:fld id="{BD986248-06F7-A441-A47A-264EBD310E11}" type="datetimeFigureOut">
               <a:rPr lang="es-CO" smtClean="0"/>
-              <a:t>4/04/2024</a:t>
+              <a:t>5/04/2024</a:t>
             </a:fld>
             <a:endParaRPr lang="es-CO" dirty="0"/>
           </a:p>
@@ -1032,7 +1032,7 @@
           <a:p>
             <a:fld id="{BD986248-06F7-A441-A47A-264EBD310E11}" type="datetimeFigureOut">
               <a:rPr lang="es-CO" smtClean="0"/>
-              <a:t>4/04/2024</a:t>
+              <a:t>5/04/2024</a:t>
             </a:fld>
             <a:endParaRPr lang="es-CO" dirty="0"/>
           </a:p>
@@ -1242,7 +1242,7 @@
           <a:p>
             <a:fld id="{BD986248-06F7-A441-A47A-264EBD310E11}" type="datetimeFigureOut">
               <a:rPr lang="es-CO" smtClean="0"/>
-              <a:t>4/04/2024</a:t>
+              <a:t>5/04/2024</a:t>
             </a:fld>
             <a:endParaRPr lang="es-CO" dirty="0"/>
           </a:p>
@@ -1403,7 +1403,7 @@
           <a:p>
             <a:fld id="{BD986248-06F7-A441-A47A-264EBD310E11}" type="datetimeFigureOut">
               <a:rPr lang="es-CO" smtClean="0"/>
-              <a:t>4/04/2024</a:t>
+              <a:t>5/04/2024</a:t>
             </a:fld>
             <a:endParaRPr lang="es-CO" dirty="0"/>
           </a:p>
@@ -1603,7 +1603,7 @@
           <a:p>
             <a:fld id="{BD986248-06F7-A441-A47A-264EBD310E11}" type="datetimeFigureOut">
               <a:rPr lang="es-CO" smtClean="0"/>
-              <a:t>4/04/2024</a:t>
+              <a:t>5/04/2024</a:t>
             </a:fld>
             <a:endParaRPr lang="es-CO" dirty="0"/>
           </a:p>
@@ -1879,7 +1879,7 @@
           <a:p>
             <a:fld id="{BD986248-06F7-A441-A47A-264EBD310E11}" type="datetimeFigureOut">
               <a:rPr lang="es-CO" smtClean="0"/>
-              <a:t>4/04/2024</a:t>
+              <a:t>5/04/2024</a:t>
             </a:fld>
             <a:endParaRPr lang="es-CO" dirty="0"/>
           </a:p>
@@ -2147,7 +2147,7 @@
           <a:p>
             <a:fld id="{BD986248-06F7-A441-A47A-264EBD310E11}" type="datetimeFigureOut">
               <a:rPr lang="es-CO" smtClean="0"/>
-              <a:t>4/04/2024</a:t>
+              <a:t>5/04/2024</a:t>
             </a:fld>
             <a:endParaRPr lang="es-CO" dirty="0"/>
           </a:p>
@@ -2562,7 +2562,7 @@
           <a:p>
             <a:fld id="{BD986248-06F7-A441-A47A-264EBD310E11}" type="datetimeFigureOut">
               <a:rPr lang="es-CO" smtClean="0"/>
-              <a:t>4/04/2024</a:t>
+              <a:t>5/04/2024</a:t>
             </a:fld>
             <a:endParaRPr lang="es-CO" dirty="0"/>
           </a:p>
@@ -2704,7 +2704,7 @@
           <a:p>
             <a:fld id="{BD986248-06F7-A441-A47A-264EBD310E11}" type="datetimeFigureOut">
               <a:rPr lang="es-CO" smtClean="0"/>
-              <a:t>4/04/2024</a:t>
+              <a:t>5/04/2024</a:t>
             </a:fld>
             <a:endParaRPr lang="es-CO" dirty="0"/>
           </a:p>
@@ -2817,7 +2817,7 @@
           <a:p>
             <a:fld id="{BD986248-06F7-A441-A47A-264EBD310E11}" type="datetimeFigureOut">
               <a:rPr lang="es-CO" smtClean="0"/>
-              <a:t>4/04/2024</a:t>
+              <a:t>5/04/2024</a:t>
             </a:fld>
             <a:endParaRPr lang="es-CO" dirty="0"/>
           </a:p>
@@ -3130,7 +3130,7 @@
           <a:p>
             <a:fld id="{BD986248-06F7-A441-A47A-264EBD310E11}" type="datetimeFigureOut">
               <a:rPr lang="es-CO" smtClean="0"/>
-              <a:t>4/04/2024</a:t>
+              <a:t>5/04/2024</a:t>
             </a:fld>
             <a:endParaRPr lang="es-CO" dirty="0"/>
           </a:p>
@@ -3419,7 +3419,7 @@
           <a:p>
             <a:fld id="{BD986248-06F7-A441-A47A-264EBD310E11}" type="datetimeFigureOut">
               <a:rPr lang="es-CO" smtClean="0"/>
-              <a:t>4/04/2024</a:t>
+              <a:t>5/04/2024</a:t>
             </a:fld>
             <a:endParaRPr lang="es-CO" dirty="0"/>
           </a:p>
@@ -3662,7 +3662,7 @@
           <a:p>
             <a:fld id="{BD986248-06F7-A441-A47A-264EBD310E11}" type="datetimeFigureOut">
               <a:rPr lang="es-CO" smtClean="0"/>
-              <a:t>4/04/2024</a:t>
+              <a:t>5/04/2024</a:t>
             </a:fld>
             <a:endParaRPr lang="es-CO" dirty="0"/>
           </a:p>
@@ -4412,7 +4412,7 @@
           <p:nvPr>
             <p:extLst>
               <p:ext uri="{D42A27DB-BD31-4B8C-83A1-F6EECF244321}">
-                <p14:modId xmlns:p14="http://schemas.microsoft.com/office/powerpoint/2010/main" val="1279798233"/>
+                <p14:modId xmlns:p14="http://schemas.microsoft.com/office/powerpoint/2010/main" val="1516478853"/>
               </p:ext>
             </p:extLst>
           </p:nvPr>
@@ -5986,7 +5986,7 @@
           <p:nvPr>
             <p:extLst>
               <p:ext uri="{D42A27DB-BD31-4B8C-83A1-F6EECF244321}">
-                <p14:modId xmlns:p14="http://schemas.microsoft.com/office/powerpoint/2010/main" val="182362555"/>
+                <p14:modId xmlns:p14="http://schemas.microsoft.com/office/powerpoint/2010/main" val="4152210572"/>
               </p:ext>
             </p:extLst>
           </p:nvPr>
@@ -6875,14 +6875,14 @@
           <p:nvPr>
             <p:extLst>
               <p:ext uri="{D42A27DB-BD31-4B8C-83A1-F6EECF244321}">
-                <p14:modId xmlns:p14="http://schemas.microsoft.com/office/powerpoint/2010/main" val="3866594062"/>
+                <p14:modId xmlns:p14="http://schemas.microsoft.com/office/powerpoint/2010/main" val="3277848555"/>
               </p:ext>
             </p:extLst>
           </p:nvPr>
         </p:nvGraphicFramePr>
         <p:xfrm>
-          <a:off x="306182" y="177721"/>
-          <a:ext cx="10742759" cy="6502558"/>
+          <a:off x="306182" y="140562"/>
+          <a:ext cx="10742759" cy="6618515"/>
         </p:xfrm>
         <a:graphic>
           <a:graphicData uri="http://schemas.openxmlformats.org/drawingml/2006/table">
@@ -6920,17 +6920,17 @@
                   </a:extLst>
                 </a:gridCol>
               </a:tblGrid>
-              <a:tr h="839860">
-                <a:tc>
-                  <a:txBody>
-                    <a:bodyPr/>
-                    <a:lstStyle/>
-                    <a:p>
-                      <a:r>
-                        <a:rPr lang="es-ES" sz="1400" dirty="0"/>
+              <a:tr h="628283">
+                <a:tc>
+                  <a:txBody>
+                    <a:bodyPr/>
+                    <a:lstStyle/>
+                    <a:p>
+                      <a:r>
+                        <a:rPr lang="es-ES" sz="1000" dirty="0"/>
                         <a:t>CODIGO HISTORIA DE USUARIO</a:t>
                       </a:r>
-                      <a:endParaRPr lang="es-CO" sz="1400" dirty="0"/>
+                      <a:endParaRPr lang="es-CO" sz="1000" dirty="0"/>
                     </a:p>
                   </a:txBody>
                   <a:tcPr>
@@ -6945,10 +6945,10 @@
                     <a:lstStyle/>
                     <a:p>
                       <a:r>
-                        <a:rPr lang="es-ES" sz="1400" dirty="0"/>
+                        <a:rPr lang="es-ES" sz="1000" dirty="0"/>
                         <a:t>CODIGO CASO DE USO</a:t>
                       </a:r>
-                      <a:endParaRPr lang="es-CO" sz="1400" dirty="0"/>
+                      <a:endParaRPr lang="es-CO" sz="1000" dirty="0"/>
                     </a:p>
                   </a:txBody>
                   <a:tcPr>
@@ -6963,10 +6963,10 @@
                     <a:lstStyle/>
                     <a:p>
                       <a:r>
-                        <a:rPr lang="es-ES" sz="1400" dirty="0"/>
+                        <a:rPr lang="es-ES" sz="1000" dirty="0"/>
                         <a:t>HISTORIA DE USUARIO</a:t>
                       </a:r>
-                      <a:endParaRPr lang="es-CO" sz="1400" dirty="0"/>
+                      <a:endParaRPr lang="es-CO" sz="1000" dirty="0"/>
                     </a:p>
                   </a:txBody>
                   <a:tcPr>
@@ -6981,10 +6981,10 @@
                     <a:lstStyle/>
                     <a:p>
                       <a:r>
-                        <a:rPr lang="es-ES" sz="1400" dirty="0"/>
+                        <a:rPr lang="es-ES" sz="1000" dirty="0"/>
                         <a:t>CRITERIOS DE ACEPTACION</a:t>
                       </a:r>
-                      <a:endParaRPr lang="es-CO" sz="1400" dirty="0"/>
+                      <a:endParaRPr lang="es-CO" sz="1000" dirty="0"/>
                     </a:p>
                   </a:txBody>
                   <a:tcPr>
@@ -6999,21 +6999,21 @@
                   </a:ext>
                 </a:extLst>
               </a:tr>
-              <a:tr h="1291637">
-                <a:tc>
-                  <a:txBody>
-                    <a:bodyPr/>
-                    <a:lstStyle/>
-                    <a:p>
-                      <a:r>
-                        <a:rPr lang="es-ES" sz="1400" dirty="0">
+              <a:tr h="900072">
+                <a:tc>
+                  <a:txBody>
+                    <a:bodyPr/>
+                    <a:lstStyle/>
+                    <a:p>
+                      <a:r>
+                        <a:rPr lang="es-ES" sz="1000" dirty="0">
                           <a:solidFill>
                             <a:schemeClr val="bg1"/>
                           </a:solidFill>
                         </a:rPr>
                         <a:t>US001</a:t>
                       </a:r>
-                      <a:endParaRPr lang="es-CO" sz="1400" dirty="0">
+                      <a:endParaRPr lang="es-CO" sz="1000" dirty="0">
                         <a:solidFill>
                           <a:schemeClr val="bg1"/>
                         </a:solidFill>
@@ -7032,48 +7032,64 @@
                     <a:lstStyle/>
                     <a:p>
                       <a:r>
-                        <a:rPr lang="es-ES" sz="1400" dirty="0"/>
+                        <a:rPr lang="es-ES" sz="1000" dirty="0"/>
                         <a:t>CU001</a:t>
                       </a:r>
-                      <a:endParaRPr lang="es-CO" sz="1400" dirty="0"/>
-                    </a:p>
-                  </a:txBody>
-                  <a:tcPr/>
-                </a:tc>
-                <a:tc>
-                  <a:txBody>
-                    <a:bodyPr/>
-                    <a:lstStyle/>
-                    <a:p>
-                      <a:r>
-                        <a:rPr lang="es-ES" sz="1400" dirty="0"/>
-                        <a:t>COMO usuario NECESITO ingresar al sistema </a:t>
-                      </a:r>
-                      <a:endParaRPr lang="es-CO" sz="1400" dirty="0"/>
-                    </a:p>
-                  </a:txBody>
-                  <a:tcPr/>
-                </a:tc>
-                <a:tc>
-                  <a:txBody>
-                    <a:bodyPr/>
-                    <a:lstStyle/>
-                    <a:p>
-                      <a:r>
-                        <a:rPr lang="es-ES" sz="1400" dirty="0"/>
-                        <a:t>Escenarios: se presenta un formulario (Login) solicitando correo electrónico y contraseña</a:t>
-                      </a:r>
-                    </a:p>
-                    <a:p>
-                      <a:r>
-                        <a:rPr lang="es-ES" sz="1400" b="1" dirty="0"/>
+                      <a:endParaRPr lang="es-CO" sz="1000" dirty="0"/>
+                    </a:p>
+                  </a:txBody>
+                  <a:tcPr/>
+                </a:tc>
+                <a:tc>
+                  <a:txBody>
+                    <a:bodyPr/>
+                    <a:lstStyle/>
+                    <a:p>
+                      <a:r>
+                        <a:rPr lang="es-ES" sz="1000" dirty="0"/>
+                        <a:t>COMO usuario NECESITO poder ingresar al sistema </a:t>
+                      </a:r>
+                      <a:endParaRPr lang="es-CO" sz="1000" dirty="0"/>
+                    </a:p>
+                  </a:txBody>
+                  <a:tcPr/>
+                </a:tc>
+                <a:tc>
+                  <a:txBody>
+                    <a:bodyPr/>
+                    <a:lstStyle/>
+                    <a:p>
+                      <a:r>
+                        <a:rPr lang="es-ES" sz="1000" dirty="0"/>
+                        <a:t>Escenarios:</a:t>
+                      </a:r>
+                    </a:p>
+                    <a:p>
+                      <a:pPr marL="171450" indent="-171450">
+                        <a:buFont typeface="Arial" panose="020B0604020202020204" pitchFamily="34" charset="0"/>
+                        <a:buChar char="•"/>
+                      </a:pPr>
+                      <a:r>
+                        <a:rPr lang="es-ES" sz="1000" dirty="0"/>
+                        <a:t>Se pueda ingresar exitosamente con los datos requeridos en el login. </a:t>
+                      </a:r>
+                    </a:p>
+                    <a:p>
+                      <a:r>
+                        <a:rPr lang="es-ES" sz="1000" b="1" dirty="0"/>
                         <a:t>Necesitamos</a:t>
                       </a:r>
                       <a:r>
-                        <a:rPr lang="es-ES" sz="1400" dirty="0"/>
-                        <a:t>: Correo electrónico, contraseña</a:t>
-                      </a:r>
-                      <a:endParaRPr lang="es-CO" sz="1400" dirty="0"/>
+                        <a:rPr lang="es-ES" sz="1000" dirty="0"/>
+                        <a:t>: </a:t>
+                      </a:r>
+                    </a:p>
+                    <a:p>
+                      <a:r>
+                        <a:rPr lang="es-ES" sz="1000" dirty="0"/>
+                        <a:t>Correo electrónico, contraseña</a:t>
+                      </a:r>
+                      <a:endParaRPr lang="es-CO" sz="1000" dirty="0"/>
                     </a:p>
                   </a:txBody>
                   <a:tcPr/>
@@ -7091,14 +7107,14 @@
                     <a:lstStyle/>
                     <a:p>
                       <a:r>
-                        <a:rPr lang="es-ES" sz="1400" dirty="0">
+                        <a:rPr lang="es-ES" sz="1000" dirty="0">
                           <a:solidFill>
                             <a:schemeClr val="bg1"/>
                           </a:solidFill>
                         </a:rPr>
                         <a:t>US002</a:t>
                       </a:r>
-                      <a:endParaRPr lang="es-CO" sz="1400" dirty="0">
+                      <a:endParaRPr lang="es-CO" sz="1000" dirty="0">
                         <a:solidFill>
                           <a:schemeClr val="bg1"/>
                         </a:solidFill>
@@ -7117,54 +7133,74 @@
                     <a:lstStyle/>
                     <a:p>
                       <a:r>
-                        <a:rPr lang="es-ES" sz="1400" dirty="0"/>
+                        <a:rPr lang="es-ES" sz="1000" dirty="0"/>
                         <a:t>CU002</a:t>
                       </a:r>
-                      <a:endParaRPr lang="es-CO" sz="1400" dirty="0"/>
-                    </a:p>
-                  </a:txBody>
-                  <a:tcPr/>
-                </a:tc>
-                <a:tc>
-                  <a:txBody>
-                    <a:bodyPr/>
-                    <a:lstStyle/>
-                    <a:p>
-                      <a:r>
-                        <a:rPr lang="es-ES" sz="1400" dirty="0"/>
+                      <a:endParaRPr lang="es-CO" sz="1000" dirty="0"/>
+                    </a:p>
+                  </a:txBody>
+                  <a:tcPr/>
+                </a:tc>
+                <a:tc>
+                  <a:txBody>
+                    <a:bodyPr/>
+                    <a:lstStyle/>
+                    <a:p>
+                      <a:r>
+                        <a:rPr lang="es-ES" sz="1000" dirty="0"/>
                         <a:t>COMO usuario NECESITO recuperar la contraseña para poder ingresar en caso de olvidarla</a:t>
                       </a:r>
-                      <a:endParaRPr lang="es-CO" sz="1400" dirty="0"/>
-                    </a:p>
-                  </a:txBody>
-                  <a:tcPr/>
-                </a:tc>
-                <a:tc>
-                  <a:txBody>
-                    <a:bodyPr/>
-                    <a:lstStyle/>
-                    <a:p>
-                      <a:r>
-                        <a:rPr lang="es-ES" sz="1400" dirty="0"/>
-                        <a:t>Escenarios: Se puede recuperar la contraseña olvidada solicitando correo electrónico y también se le enviara un código de verificación</a:t>
-                      </a:r>
-                    </a:p>
-                    <a:p>
-                      <a:r>
-                        <a:rPr lang="es-ES" sz="1400" b="1" dirty="0"/>
+                      <a:endParaRPr lang="es-CO" sz="1000" dirty="0"/>
+                    </a:p>
+                  </a:txBody>
+                  <a:tcPr/>
+                </a:tc>
+                <a:tc>
+                  <a:txBody>
+                    <a:bodyPr/>
+                    <a:lstStyle/>
+                    <a:p>
+                      <a:r>
+                        <a:rPr lang="es-ES" sz="1000" dirty="0"/>
+                        <a:t>Escenarios: </a:t>
+                      </a:r>
+                    </a:p>
+                    <a:p>
+                      <a:pPr marL="171450" indent="-171450">
+                        <a:buFont typeface="Arial" panose="020B0604020202020204" pitchFamily="34" charset="0"/>
+                        <a:buChar char="•"/>
+                      </a:pPr>
+                      <a:r>
+                        <a:rPr lang="es-ES" sz="1000" dirty="0"/>
+                        <a:t>Que se pueda recuperar usando los datos pedidos en el sistema</a:t>
+                      </a:r>
+                    </a:p>
+                    <a:p>
+                      <a:pPr marL="171450" indent="-171450">
+                        <a:buFont typeface="Arial" panose="020B0604020202020204" pitchFamily="34" charset="0"/>
+                        <a:buChar char="•"/>
+                      </a:pPr>
+                      <a:r>
+                        <a:rPr lang="es-ES" sz="1000" dirty="0"/>
+                        <a:t>Cuando ya haya cambiado mi contraseña me deje ingresar correctamente las veces que vuelva a ingresar </a:t>
+                      </a:r>
+                    </a:p>
+                    <a:p>
+                      <a:r>
+                        <a:rPr lang="es-ES" sz="1000" b="1" dirty="0"/>
                         <a:t>Necesitamos</a:t>
                       </a:r>
                       <a:r>
-                        <a:rPr lang="es-ES" sz="1400" dirty="0"/>
+                        <a:rPr lang="es-ES" sz="1000" dirty="0"/>
                         <a:t>:</a:t>
                       </a:r>
                     </a:p>
                     <a:p>
                       <a:r>
-                        <a:rPr lang="es-ES" sz="1400" dirty="0"/>
+                        <a:rPr lang="es-ES" sz="1000" dirty="0"/>
                         <a:t>Correo electrónico</a:t>
                       </a:r>
-                      <a:endParaRPr lang="es-CO" sz="1400" dirty="0"/>
+                      <a:endParaRPr lang="es-CO" sz="1000" dirty="0"/>
                     </a:p>
                   </a:txBody>
                   <a:tcPr/>
@@ -7182,14 +7218,14 @@
                     <a:lstStyle/>
                     <a:p>
                       <a:r>
-                        <a:rPr lang="es-ES" sz="1400" dirty="0">
+                        <a:rPr lang="es-ES" sz="1000" dirty="0">
                           <a:solidFill>
                             <a:schemeClr val="bg1"/>
                           </a:solidFill>
                         </a:rPr>
                         <a:t>US003</a:t>
                       </a:r>
-                      <a:endParaRPr lang="es-CO" sz="1400" dirty="0">
+                      <a:endParaRPr lang="es-CO" sz="1000" dirty="0">
                         <a:solidFill>
                           <a:schemeClr val="bg1"/>
                         </a:solidFill>
@@ -7208,52 +7244,72 @@
                     <a:lstStyle/>
                     <a:p>
                       <a:r>
-                        <a:rPr lang="es-ES" sz="1400" dirty="0"/>
+                        <a:rPr lang="es-ES" sz="1000" dirty="0"/>
                         <a:t>CU003</a:t>
                       </a:r>
-                      <a:endParaRPr lang="es-CO" sz="1400" dirty="0"/>
-                    </a:p>
-                  </a:txBody>
-                  <a:tcPr/>
-                </a:tc>
-                <a:tc>
-                  <a:txBody>
-                    <a:bodyPr/>
-                    <a:lstStyle/>
-                    <a:p>
-                      <a:r>
-                        <a:rPr lang="es-ES" sz="1400" dirty="0"/>
-                        <a:t>COMO Administrador NECESITO gestionar las ventas </a:t>
-                      </a:r>
-                      <a:endParaRPr lang="es-CO" sz="1400" dirty="0"/>
-                    </a:p>
-                  </a:txBody>
-                  <a:tcPr/>
-                </a:tc>
-                <a:tc>
-                  <a:txBody>
-                    <a:bodyPr/>
-                    <a:lstStyle/>
-                    <a:p>
-                      <a:r>
-                        <a:rPr lang="es-ES" sz="1400" dirty="0"/>
-                        <a:t>Escenarios: Se pueden crear editar, eliminar y cambiar los productos en venta</a:t>
-                      </a:r>
-                    </a:p>
-                    <a:p>
-                      <a:r>
-                        <a:rPr lang="es-ES" sz="1400" b="1" dirty="0"/>
+                      <a:endParaRPr lang="es-CO" sz="1000" dirty="0"/>
+                    </a:p>
+                  </a:txBody>
+                  <a:tcPr/>
+                </a:tc>
+                <a:tc>
+                  <a:txBody>
+                    <a:bodyPr/>
+                    <a:lstStyle/>
+                    <a:p>
+                      <a:r>
+                        <a:rPr lang="es-ES" sz="1000" dirty="0"/>
+                        <a:t>COMO Administrador NECESITO agregar nuevos productos para disponibilidad de la Barberia </a:t>
+                      </a:r>
+                      <a:endParaRPr lang="es-CO" sz="1000" dirty="0"/>
+                    </a:p>
+                  </a:txBody>
+                  <a:tcPr/>
+                </a:tc>
+                <a:tc>
+                  <a:txBody>
+                    <a:bodyPr/>
+                    <a:lstStyle/>
+                    <a:p>
+                      <a:r>
+                        <a:rPr lang="es-ES" sz="1000" dirty="0"/>
+                        <a:t>Escenarios: </a:t>
+                      </a:r>
+                    </a:p>
+                    <a:p>
+                      <a:pPr marL="285750" indent="-285750">
+                        <a:buFont typeface="Arial" panose="020B0604020202020204" pitchFamily="34" charset="0"/>
+                        <a:buChar char="•"/>
+                      </a:pPr>
+                      <a:r>
+                        <a:rPr lang="es-ES" sz="1000" dirty="0"/>
+                        <a:t>Se puedan agregar productos ingresando el código, nombre del producto, precio, cantidades</a:t>
+                      </a:r>
+                    </a:p>
+                    <a:p>
+                      <a:pPr marL="285750" indent="-285750">
+                        <a:buFont typeface="Arial" panose="020B0604020202020204" pitchFamily="34" charset="0"/>
+                        <a:buChar char="•"/>
+                      </a:pPr>
+                      <a:r>
+                        <a:rPr lang="es-ES" sz="1000" dirty="0"/>
+                        <a:t>Después de agregar un producto, el producto debería ser reflejado en el stock. </a:t>
+                      </a:r>
+                    </a:p>
+                    <a:p>
+                      <a:r>
+                        <a:rPr lang="es-ES" sz="1000" b="1" dirty="0"/>
                         <a:t>Necesitamos</a:t>
                       </a:r>
                       <a:r>
-                        <a:rPr lang="es-ES" sz="1400" dirty="0"/>
+                        <a:rPr lang="es-ES" sz="1000" dirty="0"/>
                         <a:t>:</a:t>
                       </a:r>
                     </a:p>
                     <a:p>
                       <a:r>
-                        <a:rPr lang="es-ES" sz="1400" dirty="0"/>
-                        <a:t>Nombres y precios de los productos vendidos </a:t>
+                        <a:rPr lang="es-ES" sz="1000" dirty="0"/>
+                        <a:t> Productos, nombre del producto, cantidad del producto y precio del producto.</a:t>
                       </a:r>
                     </a:p>
                   </a:txBody>
@@ -7265,21 +7321,21 @@
                   </a:ext>
                 </a:extLst>
               </a:tr>
-              <a:tr h="1522841">
-                <a:tc>
-                  <a:txBody>
-                    <a:bodyPr/>
-                    <a:lstStyle/>
-                    <a:p>
-                      <a:r>
-                        <a:rPr lang="es-ES" sz="1400" dirty="0">
+              <a:tr h="195646">
+                <a:tc>
+                  <a:txBody>
+                    <a:bodyPr/>
+                    <a:lstStyle/>
+                    <a:p>
+                      <a:r>
+                        <a:rPr lang="es-ES" sz="1000" dirty="0">
                           <a:solidFill>
                             <a:schemeClr val="bg1"/>
                           </a:solidFill>
                         </a:rPr>
                         <a:t>US004</a:t>
                       </a:r>
-                      <a:endParaRPr lang="es-CO" sz="1400" dirty="0">
+                      <a:endParaRPr lang="es-CO" sz="1000" dirty="0">
                         <a:solidFill>
                           <a:schemeClr val="bg1"/>
                         </a:solidFill>
@@ -7298,56 +7354,76 @@
                     <a:lstStyle/>
                     <a:p>
                       <a:r>
-                        <a:rPr lang="es-ES" sz="1400" dirty="0"/>
+                        <a:rPr lang="es-ES" sz="1000" dirty="0"/>
                         <a:t>CU004</a:t>
                       </a:r>
-                      <a:endParaRPr lang="es-CO" sz="1400" dirty="0"/>
-                    </a:p>
-                  </a:txBody>
-                  <a:tcPr/>
-                </a:tc>
-                <a:tc>
-                  <a:txBody>
-                    <a:bodyPr/>
-                    <a:lstStyle/>
-                    <a:p>
-                      <a:r>
-                        <a:rPr lang="es-ES" sz="1400" dirty="0"/>
-                        <a:t>COMO administrador NECESITO generar estadísticas de las ventas </a:t>
-                      </a:r>
-                      <a:endParaRPr lang="es-CO" sz="1400" dirty="0"/>
-                    </a:p>
-                  </a:txBody>
-                  <a:tcPr/>
-                </a:tc>
-                <a:tc>
-                  <a:txBody>
-                    <a:bodyPr/>
-                    <a:lstStyle/>
-                    <a:p>
-                      <a:r>
-                        <a:rPr lang="es-ES" sz="1400" dirty="0"/>
-                        <a:t>Escenarios: Se genera una estadística de ventas </a:t>
-                      </a:r>
-                    </a:p>
-                    <a:p>
-                      <a:r>
-                        <a:rPr lang="es-ES" sz="1400" b="1" dirty="0"/>
+                      <a:endParaRPr lang="es-CO" sz="1000" dirty="0"/>
+                    </a:p>
+                  </a:txBody>
+                  <a:tcPr/>
+                </a:tc>
+                <a:tc>
+                  <a:txBody>
+                    <a:bodyPr/>
+                    <a:lstStyle/>
+                    <a:p>
+                      <a:r>
+                        <a:rPr lang="es-ES" sz="1000" dirty="0"/>
+                        <a:t>COMO Administrador NECESITO generar estadísticas de las ventas de los productos de la Barberia  </a:t>
+                      </a:r>
+                      <a:endParaRPr lang="es-CO" sz="1000" dirty="0"/>
+                    </a:p>
+                  </a:txBody>
+                  <a:tcPr/>
+                </a:tc>
+                <a:tc>
+                  <a:txBody>
+                    <a:bodyPr/>
+                    <a:lstStyle/>
+                    <a:p>
+                      <a:r>
+                        <a:rPr lang="es-ES" sz="1000" dirty="0"/>
+                        <a:t>Escenarios: </a:t>
+                      </a:r>
+                    </a:p>
+                    <a:p>
+                      <a:pPr marL="171450" indent="-171450">
+                        <a:buFont typeface="Arial" panose="020B0604020202020204" pitchFamily="34" charset="0"/>
+                        <a:buChar char="•"/>
+                      </a:pPr>
+                      <a:r>
+                        <a:rPr lang="es-ES" sz="1000" dirty="0"/>
+                        <a:t>Se pueda generar estadísticas de los productos vendidos </a:t>
+                      </a:r>
+                    </a:p>
+                    <a:p>
+                      <a:pPr marL="171450" indent="-171450">
+                        <a:buFont typeface="Arial" panose="020B0604020202020204" pitchFamily="34" charset="0"/>
+                        <a:buChar char="•"/>
+                      </a:pPr>
+                      <a:r>
+                        <a:rPr lang="es-ES" sz="1000" dirty="0"/>
+                        <a:t>Después de ser generada las estadísticas poder visualizarlas solo en el rol de Administrador </a:t>
+                      </a:r>
+                    </a:p>
+                    <a:p>
+                      <a:r>
+                        <a:rPr lang="es-ES" sz="1000" b="1" dirty="0"/>
                         <a:t>Necesitamos</a:t>
                       </a:r>
                       <a:r>
-                        <a:rPr lang="es-ES" sz="1400" dirty="0"/>
+                        <a:rPr lang="es-ES" sz="1000" dirty="0"/>
                         <a:t>:</a:t>
                       </a:r>
                     </a:p>
                     <a:p>
                       <a:r>
-                        <a:rPr lang="es-ES" sz="1400" dirty="0"/>
-                        <a:t>Nombres y precios de los productos vendidos </a:t>
-                      </a:r>
-                    </a:p>
-                    <a:p>
-                      <a:endParaRPr lang="es-CO" sz="1400" dirty="0"/>
+                        <a:rPr lang="es-ES" sz="1000" dirty="0"/>
+                        <a:t>Nombres de los productos, precios y las cantidades vendidas </a:t>
+                      </a:r>
+                    </a:p>
+                    <a:p>
+                      <a:endParaRPr lang="es-CO" sz="1000" dirty="0"/>
                     </a:p>
                   </a:txBody>
                   <a:tcPr/>
@@ -7355,6 +7431,101 @@
                 <a:extLst>
                   <a:ext uri="{0D108BD9-81ED-4DB2-BD59-A6C34878D82A}">
                     <a16:rowId xmlns:a16="http://schemas.microsoft.com/office/drawing/2014/main" val="3864823895"/>
+                  </a:ext>
+                </a:extLst>
+              </a:tr>
+              <a:tr h="195646">
+                <a:tc>
+                  <a:txBody>
+                    <a:bodyPr/>
+                    <a:lstStyle/>
+                    <a:p>
+                      <a:r>
+                        <a:rPr lang="es-MX" sz="1000" dirty="0">
+                          <a:solidFill>
+                            <a:schemeClr val="bg1"/>
+                          </a:solidFill>
+                        </a:rPr>
+                        <a:t>US005</a:t>
+                      </a:r>
+                      <a:endParaRPr lang="es-CO" sz="1000" dirty="0">
+                        <a:solidFill>
+                          <a:schemeClr val="bg1"/>
+                        </a:solidFill>
+                      </a:endParaRPr>
+                    </a:p>
+                  </a:txBody>
+                  <a:tcPr>
+                    <a:solidFill>
+                      <a:schemeClr val="accent6"/>
+                    </a:solidFill>
+                  </a:tcPr>
+                </a:tc>
+                <a:tc>
+                  <a:txBody>
+                    <a:bodyPr/>
+                    <a:lstStyle/>
+                    <a:p>
+                      <a:r>
+                        <a:rPr lang="es-MX" sz="1000" dirty="0"/>
+                        <a:t>CU005</a:t>
+                      </a:r>
+                      <a:endParaRPr lang="es-CO" sz="1000" dirty="0"/>
+                    </a:p>
+                  </a:txBody>
+                  <a:tcPr/>
+                </a:tc>
+                <a:tc>
+                  <a:txBody>
+                    <a:bodyPr/>
+                    <a:lstStyle/>
+                    <a:p>
+                      <a:r>
+                        <a:rPr lang="es-MX" sz="1000" dirty="0"/>
+                        <a:t>COMO Administrador NECESITO actualizar la cantidad de productos que se encuentran disponibles en el inventario para tener un Stock real </a:t>
+                      </a:r>
+                      <a:endParaRPr lang="es-CO" sz="1000" dirty="0"/>
+                    </a:p>
+                  </a:txBody>
+                  <a:tcPr/>
+                </a:tc>
+                <a:tc>
+                  <a:txBody>
+                    <a:bodyPr/>
+                    <a:lstStyle/>
+                    <a:p>
+                      <a:r>
+                        <a:rPr lang="es-MX" sz="1000" dirty="0"/>
+                        <a:t>Escenarios:</a:t>
+                      </a:r>
+                    </a:p>
+                    <a:p>
+                      <a:pPr marL="171450" indent="-171450">
+                        <a:buFont typeface="Arial" panose="020B0604020202020204" pitchFamily="34" charset="0"/>
+                        <a:buChar char="•"/>
+                      </a:pPr>
+                      <a:r>
+                        <a:rPr lang="es-MX" sz="1000" dirty="0"/>
+                        <a:t>Que cuando se registre una venta se disminuya la cantidad del producto en el inventario y genere una alerta de esto</a:t>
+                      </a:r>
+                    </a:p>
+                    <a:p>
+                      <a:pPr marL="0" indent="0">
+                        <a:buFont typeface="Arial" panose="020B0604020202020204" pitchFamily="34" charset="0"/>
+                        <a:buNone/>
+                      </a:pPr>
+                      <a:r>
+                        <a:rPr lang="es-MX" sz="1000" dirty="0"/>
+                        <a:t>Necesitamos: nombre , precio y cantidades del producto vendido </a:t>
+                      </a:r>
+                      <a:endParaRPr lang="es-CO" sz="1000" dirty="0"/>
+                    </a:p>
+                  </a:txBody>
+                  <a:tcPr/>
+                </a:tc>
+                <a:extLst>
+                  <a:ext uri="{0D108BD9-81ED-4DB2-BD59-A6C34878D82A}">
+                    <a16:rowId xmlns:a16="http://schemas.microsoft.com/office/drawing/2014/main" val="2744033250"/>
                   </a:ext>
                 </a:extLst>
               </a:tr>
@@ -7408,10 +7579,10 @@
       </p:grpSpPr>
       <p:graphicFrame>
         <p:nvGraphicFramePr>
-          <p:cNvPr id="4" name="Tabla 3">
+          <p:cNvPr id="2" name="Tabla 1">
             <a:extLst>
               <a:ext uri="{FF2B5EF4-FFF2-40B4-BE49-F238E27FC236}">
-                <a16:creationId xmlns:a16="http://schemas.microsoft.com/office/drawing/2014/main" id="{48111D47-7862-614E-F4C2-5EA4A70E2BA4}"/>
+                <a16:creationId xmlns:a16="http://schemas.microsoft.com/office/drawing/2014/main" id="{778C40DE-F32F-B79F-B756-3A25D5280A37}"/>
               </a:ext>
             </a:extLst>
           </p:cNvPr>
@@ -7421,80 +7592,73 @@
           <p:nvPr>
             <p:extLst>
               <p:ext uri="{D42A27DB-BD31-4B8C-83A1-F6EECF244321}">
-                <p14:modId xmlns:p14="http://schemas.microsoft.com/office/powerpoint/2010/main" val="947785377"/>
+                <p14:modId xmlns:p14="http://schemas.microsoft.com/office/powerpoint/2010/main" val="1990067225"/>
               </p:ext>
             </p:extLst>
           </p:nvPr>
         </p:nvGraphicFramePr>
         <p:xfrm>
-          <a:off x="318781" y="87848"/>
-          <a:ext cx="10620462" cy="6682304"/>
+          <a:off x="317824" y="0"/>
+          <a:ext cx="10742759" cy="6853877"/>
         </p:xfrm>
         <a:graphic>
           <a:graphicData uri="http://schemas.openxmlformats.org/drawingml/2006/table">
             <a:tbl>
-              <a:tblPr firstRow="1" firstCol="1" bandRow="1">
+              <a:tblPr firstRow="1" bandRow="1">
                 <a:tableStyleId>{5C22544A-7EE6-4342-B048-85BDC9FD1C3A}</a:tableStyleId>
               </a:tblPr>
               <a:tblGrid>
-                <a:gridCol w="1491148">
+                <a:gridCol w="1103240">
                   <a:extLst>
                     <a:ext uri="{9D8B030D-6E8A-4147-A177-3AD203B41FA5}">
-                      <a16:colId xmlns:a16="http://schemas.microsoft.com/office/drawing/2014/main" val="259589353"/>
+                      <a16:colId xmlns:a16="http://schemas.microsoft.com/office/drawing/2014/main" val="1670626766"/>
                     </a:ext>
                   </a:extLst>
                 </a:gridCol>
-                <a:gridCol w="1625017">
+                <a:gridCol w="1927904">
                   <a:extLst>
                     <a:ext uri="{9D8B030D-6E8A-4147-A177-3AD203B41FA5}">
-                      <a16:colId xmlns:a16="http://schemas.microsoft.com/office/drawing/2014/main" val="1793119380"/>
+                      <a16:colId xmlns:a16="http://schemas.microsoft.com/office/drawing/2014/main" val="3262603485"/>
                     </a:ext>
                   </a:extLst>
                 </a:gridCol>
-                <a:gridCol w="3550274">
+                <a:gridCol w="4695758">
                   <a:extLst>
                     <a:ext uri="{9D8B030D-6E8A-4147-A177-3AD203B41FA5}">
-                      <a16:colId xmlns:a16="http://schemas.microsoft.com/office/drawing/2014/main" val="884031367"/>
+                      <a16:colId xmlns:a16="http://schemas.microsoft.com/office/drawing/2014/main" val="731734115"/>
                     </a:ext>
                   </a:extLst>
                 </a:gridCol>
-                <a:gridCol w="3954023">
+                <a:gridCol w="3015857">
                   <a:extLst>
                     <a:ext uri="{9D8B030D-6E8A-4147-A177-3AD203B41FA5}">
-                      <a16:colId xmlns:a16="http://schemas.microsoft.com/office/drawing/2014/main" val="66629647"/>
+                      <a16:colId xmlns:a16="http://schemas.microsoft.com/office/drawing/2014/main" val="398558240"/>
                     </a:ext>
                   </a:extLst>
                 </a:gridCol>
               </a:tblGrid>
-              <a:tr h="1262568">
-                <a:tc>
-                  <a:txBody>
-                    <a:bodyPr/>
-                    <a:lstStyle/>
-                    <a:p>
-                      <a:pPr>
-                        <a:lnSpc>
-                          <a:spcPct val="107000"/>
-                        </a:lnSpc>
-                        <a:spcAft>
-                          <a:spcPts val="800"/>
-                        </a:spcAft>
-                      </a:pPr>
-                      <a:r>
-                        <a:rPr lang="es-419" sz="1400" dirty="0">
-                          <a:effectLst/>
+              <a:tr h="1001900">
+                <a:tc>
+                  <a:txBody>
+                    <a:bodyPr/>
+                    <a:lstStyle/>
+                    <a:p>
+                      <a:r>
+                        <a:rPr lang="es-ES" sz="1000" dirty="0">
+                          <a:solidFill>
+                            <a:schemeClr val="bg1"/>
+                          </a:solidFill>
                         </a:rPr>
-                        <a:t>US005|</a:t>
-                      </a:r>
-                      <a:endParaRPr lang="es-CO" sz="1400" dirty="0">
-                        <a:effectLst/>
-                        <a:latin typeface="Calibri" panose="020F0502020204030204" pitchFamily="34" charset="0"/>
-                        <a:ea typeface="Calibri" panose="020F0502020204030204" pitchFamily="34" charset="0"/>
-                        <a:cs typeface="Times New Roman" panose="02020603050405020304" pitchFamily="18" charset="0"/>
+                        <a:t>US001</a:t>
+                      </a:r>
+                      <a:endParaRPr lang="es-CO" sz="1000" dirty="0">
+                        <a:solidFill>
+                          <a:schemeClr val="bg1"/>
+                        </a:solidFill>
                       </a:endParaRPr>
                     </a:p>
                   </a:txBody>
-                  <a:tcPr marL="68580" marR="68580" marT="0" marB="0">
+                  <a:tcPr>
                     <a:solidFill>
                       <a:schemeClr val="accent6"/>
                     </a:solidFill>
@@ -7505,38 +7669,26 @@
                     <a:bodyPr/>
                     <a:lstStyle/>
                     <a:p>
-                      <a:pPr>
-                        <a:lnSpc>
-                          <a:spcPct val="107000"/>
-                        </a:lnSpc>
-                        <a:spcAft>
-                          <a:spcPts val="800"/>
-                        </a:spcAft>
-                      </a:pPr>
-                      <a:r>
-                        <a:rPr lang="es-419" sz="1400" b="0" dirty="0">
+                      <a:r>
+                        <a:rPr lang="es-ES" sz="1000" b="0" dirty="0">
                           <a:solidFill>
                             <a:schemeClr val="tx1"/>
                           </a:solidFill>
-                          <a:effectLst/>
                         </a:rPr>
                         <a:t>CU005</a:t>
                       </a:r>
-                      <a:endParaRPr lang="es-CO" sz="1400" b="0" dirty="0">
+                      <a:endParaRPr lang="es-CO" sz="1000" b="0" dirty="0">
                         <a:solidFill>
                           <a:schemeClr val="tx1"/>
                         </a:solidFill>
-                        <a:effectLst/>
-                        <a:latin typeface="Calibri" panose="020F0502020204030204" pitchFamily="34" charset="0"/>
-                        <a:ea typeface="Calibri" panose="020F0502020204030204" pitchFamily="34" charset="0"/>
-                        <a:cs typeface="Times New Roman" panose="02020603050405020304" pitchFamily="18" charset="0"/>
                       </a:endParaRPr>
                     </a:p>
                   </a:txBody>
-                  <a:tcPr marL="68580" marR="68580" marT="0" marB="0">
+                  <a:tcPr>
                     <a:solidFill>
-                      <a:schemeClr val="bg1">
-                        <a:lumMod val="95000"/>
+                      <a:schemeClr val="accent1">
+                        <a:lumMod val="40000"/>
+                        <a:lumOff val="60000"/>
                       </a:schemeClr>
                     </a:solidFill>
                   </a:tcPr>
@@ -7546,41 +7698,26 @@
                     <a:bodyPr/>
                     <a:lstStyle/>
                     <a:p>
-                      <a:pPr>
-                        <a:lnSpc>
-                          <a:spcPct val="107000"/>
-                        </a:lnSpc>
-                        <a:spcAft>
-                          <a:spcPts val="800"/>
-                        </a:spcAft>
-                      </a:pPr>
-                      <a:r>
-                        <a:rPr lang="es-MX" sz="1400" b="0" dirty="0">
+                      <a:r>
+                        <a:rPr lang="es-ES" sz="1000" b="0" dirty="0">
                           <a:solidFill>
                             <a:schemeClr val="tx1"/>
                           </a:solidFill>
-                          <a:effectLst/>
-                          <a:latin typeface="Calibri" panose="020F0502020204030204" pitchFamily="34" charset="0"/>
-                          <a:ea typeface="Calibri" panose="020F0502020204030204" pitchFamily="34" charset="0"/>
-                          <a:cs typeface="Times New Roman" panose="02020603050405020304" pitchFamily="18" charset="0"/>
                         </a:rPr>
                         <a:t>COMO barbero NECESITO poder agendar la disponibilidad de turnos </a:t>
                       </a:r>
-                      <a:endParaRPr lang="es-CO" sz="1400" b="0" dirty="0">
+                      <a:endParaRPr lang="es-CO" sz="1000" b="0" dirty="0">
                         <a:solidFill>
                           <a:schemeClr val="tx1"/>
                         </a:solidFill>
-                        <a:effectLst/>
-                        <a:latin typeface="Calibri" panose="020F0502020204030204" pitchFamily="34" charset="0"/>
-                        <a:ea typeface="Calibri" panose="020F0502020204030204" pitchFamily="34" charset="0"/>
-                        <a:cs typeface="Times New Roman" panose="02020603050405020304" pitchFamily="18" charset="0"/>
                       </a:endParaRPr>
                     </a:p>
                   </a:txBody>
-                  <a:tcPr marL="68580" marR="68580" marT="0" marB="0">
+                  <a:tcPr>
                     <a:solidFill>
-                      <a:schemeClr val="bg1">
-                        <a:lumMod val="95000"/>
+                      <a:schemeClr val="accent1">
+                        <a:lumMod val="40000"/>
+                        <a:lumOff val="60000"/>
                       </a:schemeClr>
                     </a:solidFill>
                   </a:tcPr>
@@ -7590,108 +7727,120 @@
                     <a:bodyPr/>
                     <a:lstStyle/>
                     <a:p>
-                      <a:pPr>
-                        <a:lnSpc>
-                          <a:spcPct val="107000"/>
-                        </a:lnSpc>
-                        <a:spcAft>
-                          <a:spcPts val="800"/>
-                        </a:spcAft>
-                      </a:pPr>
-                      <a:r>
-                        <a:rPr lang="es-419" sz="1400" b="0" dirty="0">
+                      <a:r>
+                        <a:rPr lang="es-ES" sz="1000" b="0" dirty="0">
                           <a:solidFill>
                             <a:schemeClr val="tx1"/>
                           </a:solidFill>
-                          <a:effectLst/>
                         </a:rPr>
-                        <a:t>ESCENARIOS: Poder generar la disponibilidad para el cliente, teniendo en cuenta la disponibilidad del barbero.  </a:t>
-                      </a:r>
-                      <a:endParaRPr lang="es-CO" sz="1400" b="0" dirty="0">
+                        <a:t>Escenarios:</a:t>
+                      </a:r>
+                    </a:p>
+                    <a:p>
+                      <a:pPr marL="171450" indent="-171450">
+                        <a:buFont typeface="Arial" panose="020B0604020202020204" pitchFamily="34" charset="0"/>
+                        <a:buChar char="•"/>
+                      </a:pPr>
+                      <a:r>
+                        <a:rPr lang="es-ES" sz="1000" b="0" dirty="0">
+                          <a:solidFill>
+                            <a:schemeClr val="tx1"/>
+                          </a:solidFill>
+                        </a:rPr>
+                        <a:t>Se pueda generar la disponibilidad para el cliente </a:t>
+                      </a:r>
+                    </a:p>
+                    <a:p>
+                      <a:pPr marL="171450" indent="-171450">
+                        <a:buFont typeface="Arial" panose="020B0604020202020204" pitchFamily="34" charset="0"/>
+                        <a:buChar char="•"/>
+                      </a:pPr>
+                      <a:r>
+                        <a:rPr lang="es-ES" sz="1000" b="0" dirty="0">
+                          <a:solidFill>
+                            <a:schemeClr val="tx1"/>
+                          </a:solidFill>
+                        </a:rPr>
+                        <a:t>Poder actualizar los horarios disponibles</a:t>
+                      </a:r>
+                    </a:p>
+                    <a:p>
+                      <a:pPr marL="171450" indent="-171450">
+                        <a:buFont typeface="Arial" panose="020B0604020202020204" pitchFamily="34" charset="0"/>
+                        <a:buChar char="•"/>
+                      </a:pPr>
+                      <a:r>
+                        <a:rPr lang="es-ES" sz="1000" b="0" dirty="0">
+                          <a:solidFill>
+                            <a:schemeClr val="tx1"/>
+                          </a:solidFill>
+                        </a:rPr>
+                        <a:t>Que se genere una disponibilidad actualizada para los clientes</a:t>
+                      </a:r>
+                    </a:p>
+                    <a:p>
+                      <a:r>
+                        <a:rPr lang="es-ES" sz="1000" b="0" dirty="0">
+                          <a:solidFill>
+                            <a:schemeClr val="tx1"/>
+                          </a:solidFill>
+                        </a:rPr>
+                        <a:t>Necesitamos: </a:t>
+                      </a:r>
+                    </a:p>
+                    <a:p>
+                      <a:r>
+                        <a:rPr lang="es-ES" sz="1000" b="0" dirty="0">
+                          <a:solidFill>
+                            <a:schemeClr val="tx1"/>
+                          </a:solidFill>
+                        </a:rPr>
+                        <a:t>Establecer fechas y horarios actuales </a:t>
+                      </a:r>
+                      <a:endParaRPr lang="es-CO" sz="1000" b="0" dirty="0">
                         <a:solidFill>
                           <a:schemeClr val="tx1"/>
                         </a:solidFill>
-                        <a:effectLst/>
                       </a:endParaRPr>
                     </a:p>
-                    <a:p>
-                      <a:pPr>
-                        <a:lnSpc>
-                          <a:spcPct val="107000"/>
-                        </a:lnSpc>
-                        <a:spcAft>
-                          <a:spcPts val="800"/>
-                        </a:spcAft>
-                      </a:pPr>
-                      <a:r>
-                        <a:rPr lang="es-419" sz="1400" b="0" dirty="0">
-                          <a:solidFill>
-                            <a:schemeClr val="tx1"/>
-                          </a:solidFill>
-                          <a:effectLst/>
-                        </a:rPr>
-                        <a:t>Necesitamos:</a:t>
-                      </a:r>
-                      <a:r>
-                        <a:rPr lang="es-CO" sz="1400" b="0" dirty="0">
-                          <a:solidFill>
-                            <a:schemeClr val="tx1"/>
-                          </a:solidFill>
-                          <a:effectLst/>
-                        </a:rPr>
-                        <a:t> Establecer fechas y horas libres. </a:t>
-                      </a:r>
-                      <a:endParaRPr lang="es-419" sz="1400" b="0" dirty="0">
-                        <a:solidFill>
-                          <a:schemeClr val="tx1"/>
-                        </a:solidFill>
-                        <a:effectLst/>
-                      </a:endParaRPr>
-                    </a:p>
-                  </a:txBody>
-                  <a:tcPr marL="68580" marR="68580" marT="0" marB="0">
+                  </a:txBody>
+                  <a:tcPr>
                     <a:solidFill>
-                      <a:schemeClr val="bg1">
-                        <a:lumMod val="95000"/>
+                      <a:schemeClr val="accent1">
+                        <a:lumMod val="40000"/>
+                        <a:lumOff val="60000"/>
                       </a:schemeClr>
                     </a:solidFill>
                   </a:tcPr>
                 </a:tc>
                 <a:extLst>
                   <a:ext uri="{0D108BD9-81ED-4DB2-BD59-A6C34878D82A}">
-                    <a16:rowId xmlns:a16="http://schemas.microsoft.com/office/drawing/2014/main" val="2672813399"/>
+                    <a16:rowId xmlns:a16="http://schemas.microsoft.com/office/drawing/2014/main" val="1870690571"/>
                   </a:ext>
                 </a:extLst>
               </a:tr>
-              <a:tr h="1324753">
-                <a:tc>
-                  <a:txBody>
-                    <a:bodyPr/>
-                    <a:lstStyle/>
-                    <a:p>
-                      <a:pPr>
-                        <a:lnSpc>
-                          <a:spcPct val="107000"/>
-                        </a:lnSpc>
-                        <a:spcAft>
-                          <a:spcPts val="800"/>
-                        </a:spcAft>
-                      </a:pPr>
-                      <a:r>
-                        <a:rPr lang="es-419" sz="1400" dirty="0">
-                          <a:effectLst/>
+              <a:tr h="1458917">
+                <a:tc>
+                  <a:txBody>
+                    <a:bodyPr/>
+                    <a:lstStyle/>
+                    <a:p>
+                      <a:r>
+                        <a:rPr lang="es-ES" sz="1000" dirty="0">
+                          <a:solidFill>
+                            <a:schemeClr val="bg1"/>
+                          </a:solidFill>
                         </a:rPr>
-                        <a:t>US006</a:t>
-                      </a:r>
-                      <a:endParaRPr lang="es-CO" sz="1400" dirty="0">
-                        <a:effectLst/>
-                        <a:latin typeface="Calibri" panose="020F0502020204030204" pitchFamily="34" charset="0"/>
-                        <a:ea typeface="Calibri" panose="020F0502020204030204" pitchFamily="34" charset="0"/>
-                        <a:cs typeface="Times New Roman" panose="02020603050405020304" pitchFamily="18" charset="0"/>
+                        <a:t>US002</a:t>
+                      </a:r>
+                      <a:endParaRPr lang="es-CO" sz="1000" dirty="0">
+                        <a:solidFill>
+                          <a:schemeClr val="bg1"/>
+                        </a:solidFill>
                       </a:endParaRPr>
                     </a:p>
                   </a:txBody>
-                  <a:tcPr marL="68580" marR="68580" marT="0" marB="0">
+                  <a:tcPr>
                     <a:solidFill>
                       <a:schemeClr val="accent6"/>
                     </a:solidFill>
@@ -7702,142 +7851,106 @@
                     <a:bodyPr/>
                     <a:lstStyle/>
                     <a:p>
-                      <a:pPr>
-                        <a:lnSpc>
-                          <a:spcPct val="107000"/>
-                        </a:lnSpc>
-                        <a:spcAft>
-                          <a:spcPts val="800"/>
-                        </a:spcAft>
+                      <a:r>
+                        <a:rPr lang="es-ES" sz="1000" dirty="0"/>
+                        <a:t>CU006</a:t>
+                      </a:r>
+                      <a:endParaRPr lang="es-CO" sz="1000" dirty="0"/>
+                    </a:p>
+                  </a:txBody>
+                  <a:tcPr/>
+                </a:tc>
+                <a:tc>
+                  <a:txBody>
+                    <a:bodyPr/>
+                    <a:lstStyle/>
+                    <a:p>
+                      <a:r>
+                        <a:rPr lang="es-MX" sz="1000" dirty="0"/>
+                        <a:t>COMO cliente NESECITO poder hacer compras de productos </a:t>
+                      </a:r>
+                    </a:p>
+                  </a:txBody>
+                  <a:tcPr/>
+                </a:tc>
+                <a:tc>
+                  <a:txBody>
+                    <a:bodyPr/>
+                    <a:lstStyle/>
+                    <a:p>
+                      <a:r>
+                        <a:rPr lang="es-ES" sz="1000" dirty="0"/>
+                        <a:t>Escenarios: </a:t>
+                      </a:r>
+                    </a:p>
+                    <a:p>
+                      <a:pPr marL="171450" indent="-171450">
+                        <a:buFont typeface="Arial" panose="020B0604020202020204" pitchFamily="34" charset="0"/>
+                        <a:buChar char="•"/>
                       </a:pPr>
                       <a:r>
-                        <a:rPr lang="es-419" sz="1400" dirty="0">
-                          <a:effectLst/>
-                        </a:rPr>
-                        <a:t>CU006</a:t>
-                      </a:r>
-                      <a:endParaRPr lang="es-CO" sz="1400" dirty="0">
-                        <a:effectLst/>
-                        <a:latin typeface="Calibri" panose="020F0502020204030204" pitchFamily="34" charset="0"/>
-                        <a:ea typeface="Calibri" panose="020F0502020204030204" pitchFamily="34" charset="0"/>
-                        <a:cs typeface="Times New Roman" panose="02020603050405020304" pitchFamily="18" charset="0"/>
-                      </a:endParaRPr>
-                    </a:p>
-                  </a:txBody>
-                  <a:tcPr marL="68580" marR="68580" marT="0" marB="0"/>
-                </a:tc>
-                <a:tc>
-                  <a:txBody>
-                    <a:bodyPr/>
-                    <a:lstStyle/>
-                    <a:p>
-                      <a:pPr>
-                        <a:lnSpc>
-                          <a:spcPct val="107000"/>
-                        </a:lnSpc>
-                        <a:spcAft>
-                          <a:spcPts val="800"/>
-                        </a:spcAft>
+                        <a:rPr lang="es-ES" sz="1000" dirty="0"/>
+                        <a:t>Que se genere un stock para poder visualizar los productos que estén en venta</a:t>
+                      </a:r>
+                    </a:p>
+                    <a:p>
+                      <a:pPr marL="171450" indent="-171450">
+                        <a:buFont typeface="Arial" panose="020B0604020202020204" pitchFamily="34" charset="0"/>
+                        <a:buChar char="•"/>
                       </a:pPr>
                       <a:r>
-                        <a:rPr lang="es-MX" sz="1400" dirty="0">
-                          <a:effectLst/>
-                          <a:latin typeface="Calibri" panose="020F0502020204030204" pitchFamily="34" charset="0"/>
-                          <a:ea typeface="Calibri" panose="020F0502020204030204" pitchFamily="34" charset="0"/>
-                          <a:cs typeface="Times New Roman" panose="02020603050405020304" pitchFamily="18" charset="0"/>
-                        </a:rPr>
-                        <a:t>COMO cliente NESECITO poder hacer compras de productos </a:t>
-                      </a:r>
-                      <a:endParaRPr lang="es-CO" sz="1400" dirty="0">
-                        <a:effectLst/>
-                        <a:latin typeface="Calibri" panose="020F0502020204030204" pitchFamily="34" charset="0"/>
-                        <a:ea typeface="Calibri" panose="020F0502020204030204" pitchFamily="34" charset="0"/>
-                        <a:cs typeface="Times New Roman" panose="02020603050405020304" pitchFamily="18" charset="0"/>
-                      </a:endParaRPr>
-                    </a:p>
-                  </a:txBody>
-                  <a:tcPr marL="68580" marR="68580" marT="0" marB="0"/>
-                </a:tc>
-                <a:tc>
-                  <a:txBody>
-                    <a:bodyPr/>
-                    <a:lstStyle/>
-                    <a:p>
-                      <a:pPr>
-                        <a:lnSpc>
-                          <a:spcPct val="107000"/>
-                        </a:lnSpc>
-                        <a:spcAft>
-                          <a:spcPts val="800"/>
-                        </a:spcAft>
-                      </a:pPr>
-                      <a:r>
-                        <a:rPr lang="es-419" sz="1400" dirty="0">
-                          <a:effectLst/>
-                        </a:rPr>
-                        <a:t>ESCENARIOS: Poder escoger el producto, mirar las formas de pago y realizar el pago.  </a:t>
-                      </a:r>
-                      <a:endParaRPr lang="es-CO" sz="1400" dirty="0">
-                        <a:effectLst/>
-                      </a:endParaRPr>
-                    </a:p>
-                    <a:p>
-                      <a:pPr>
-                        <a:lnSpc>
-                          <a:spcPct val="107000"/>
-                        </a:lnSpc>
-                        <a:spcAft>
-                          <a:spcPts val="800"/>
-                        </a:spcAft>
-                      </a:pPr>
-                      <a:r>
-                        <a:rPr lang="es-419" sz="1400" dirty="0">
-                          <a:effectLst/>
-                        </a:rPr>
-                        <a:t>Necesitamos: Los métodos de pago, seleccionar el producto y hacer la compra.   </a:t>
-                      </a:r>
-                      <a:endParaRPr lang="es-CO" sz="1400" dirty="0">
-                        <a:effectLst/>
-                      </a:endParaRPr>
-                    </a:p>
-                  </a:txBody>
-                  <a:tcPr marL="68580" marR="68580" marT="0" marB="0"/>
+                        <a:rPr lang="es-ES" sz="1000" dirty="0"/>
+                        <a:t>Que se pueda hacer la compra de un producto dependiendo de la cantidad y el precio   </a:t>
+                      </a:r>
+                    </a:p>
+                    <a:p>
+                      <a:r>
+                        <a:rPr lang="es-ES" sz="1000" b="1" dirty="0"/>
+                        <a:t>Necesitamos</a:t>
+                      </a:r>
+                      <a:r>
+                        <a:rPr lang="es-ES" sz="1000" dirty="0"/>
+                        <a:t>:</a:t>
+                      </a:r>
+                    </a:p>
+                    <a:p>
+                      <a:r>
+                        <a:rPr lang="es-ES" sz="1000" dirty="0"/>
+                        <a:t>Contar con los productos actuales en venta </a:t>
+                      </a:r>
+                      <a:endParaRPr lang="es-CO" sz="1000" dirty="0"/>
+                    </a:p>
+                  </a:txBody>
+                  <a:tcPr/>
                 </a:tc>
                 <a:extLst>
                   <a:ext uri="{0D108BD9-81ED-4DB2-BD59-A6C34878D82A}">
-                    <a16:rowId xmlns:a16="http://schemas.microsoft.com/office/drawing/2014/main" val="3779118241"/>
+                    <a16:rowId xmlns:a16="http://schemas.microsoft.com/office/drawing/2014/main" val="4084501124"/>
                   </a:ext>
                 </a:extLst>
               </a:tr>
-              <a:tr h="1528835">
-                <a:tc>
-                  <a:txBody>
-                    <a:bodyPr/>
-                    <a:lstStyle/>
-                    <a:p>
-                      <a:pPr>
-                        <a:lnSpc>
-                          <a:spcPct val="107000"/>
-                        </a:lnSpc>
-                        <a:spcAft>
-                          <a:spcPts val="800"/>
-                        </a:spcAft>
-                      </a:pPr>
-                      <a:r>
-                        <a:rPr lang="es-419" sz="1400" dirty="0">
-                          <a:effectLst/>
+              <a:tr h="1458917">
+                <a:tc>
+                  <a:txBody>
+                    <a:bodyPr/>
+                    <a:lstStyle/>
+                    <a:p>
+                      <a:r>
+                        <a:rPr lang="es-ES" sz="1000" dirty="0">
+                          <a:solidFill>
+                            <a:schemeClr val="bg1"/>
+                          </a:solidFill>
                         </a:rPr>
-                        <a:t>US007</a:t>
-                      </a:r>
-                      <a:endParaRPr lang="es-CO" sz="1400" dirty="0">
-                        <a:effectLst/>
-                        <a:latin typeface="Calibri" panose="020F0502020204030204" pitchFamily="34" charset="0"/>
-                        <a:ea typeface="Calibri" panose="020F0502020204030204" pitchFamily="34" charset="0"/>
-                        <a:cs typeface="Times New Roman" panose="02020603050405020304" pitchFamily="18" charset="0"/>
+                        <a:t>US003</a:t>
+                      </a:r>
+                      <a:endParaRPr lang="es-CO" sz="1000" dirty="0">
+                        <a:solidFill>
+                          <a:schemeClr val="bg1"/>
+                        </a:solidFill>
                       </a:endParaRPr>
                     </a:p>
                   </a:txBody>
-                  <a:tcPr marL="68580" marR="68580" marT="0" marB="0">
+                  <a:tcPr>
                     <a:solidFill>
                       <a:schemeClr val="accent6"/>
                     </a:solidFill>
@@ -7848,145 +7961,115 @@
                     <a:bodyPr/>
                     <a:lstStyle/>
                     <a:p>
-                      <a:pPr>
-                        <a:lnSpc>
-                          <a:spcPct val="107000"/>
-                        </a:lnSpc>
-                        <a:spcAft>
-                          <a:spcPts val="800"/>
-                        </a:spcAft>
+                      <a:r>
+                        <a:rPr lang="es-ES" sz="1000" dirty="0"/>
+                        <a:t>CU007</a:t>
+                      </a:r>
+                      <a:endParaRPr lang="es-CO" sz="1000" dirty="0"/>
+                    </a:p>
+                  </a:txBody>
+                  <a:tcPr/>
+                </a:tc>
+                <a:tc>
+                  <a:txBody>
+                    <a:bodyPr/>
+                    <a:lstStyle/>
+                    <a:p>
+                      <a:r>
+                        <a:rPr lang="pt-BR" sz="1000" dirty="0"/>
+                        <a:t>COMO cliente NESECITO poder tener una opcion para hacer las reservas de turnos </a:t>
+                      </a:r>
+                    </a:p>
+                  </a:txBody>
+                  <a:tcPr/>
+                </a:tc>
+                <a:tc>
+                  <a:txBody>
+                    <a:bodyPr/>
+                    <a:lstStyle/>
+                    <a:p>
+                      <a:r>
+                        <a:rPr lang="es-ES" sz="1000" dirty="0"/>
+                        <a:t>Escenarios: </a:t>
+                      </a:r>
+                    </a:p>
+                    <a:p>
+                      <a:pPr marL="285750" indent="-285750">
+                        <a:buFont typeface="Arial" panose="020B0604020202020204" pitchFamily="34" charset="0"/>
+                        <a:buChar char="•"/>
                       </a:pPr>
                       <a:r>
-                        <a:rPr lang="es-419" sz="1400" dirty="0">
-                          <a:effectLst/>
-                        </a:rPr>
-                        <a:t>CU007</a:t>
-                      </a:r>
-                      <a:endParaRPr lang="es-CO" sz="1400" dirty="0">
-                        <a:effectLst/>
-                        <a:latin typeface="Calibri" panose="020F0502020204030204" pitchFamily="34" charset="0"/>
-                        <a:ea typeface="Calibri" panose="020F0502020204030204" pitchFamily="34" charset="0"/>
-                        <a:cs typeface="Times New Roman" panose="02020603050405020304" pitchFamily="18" charset="0"/>
-                      </a:endParaRPr>
-                    </a:p>
-                  </a:txBody>
-                  <a:tcPr marL="68580" marR="68580" marT="0" marB="0"/>
-                </a:tc>
-                <a:tc>
-                  <a:txBody>
-                    <a:bodyPr/>
-                    <a:lstStyle/>
-                    <a:p>
-                      <a:pPr>
-                        <a:lnSpc>
-                          <a:spcPct val="107000"/>
-                        </a:lnSpc>
-                        <a:spcAft>
-                          <a:spcPts val="800"/>
-                        </a:spcAft>
+                        <a:rPr lang="es-ES" sz="1000" dirty="0"/>
+                        <a:t>Se pueda generar una reserva a partir de los horarios disponibles</a:t>
+                      </a:r>
+                    </a:p>
+                    <a:p>
+                      <a:pPr marL="285750" indent="-285750">
+                        <a:buFont typeface="Arial" panose="020B0604020202020204" pitchFamily="34" charset="0"/>
+                        <a:buChar char="•"/>
                       </a:pPr>
                       <a:r>
-                        <a:rPr lang="es-MX" sz="1400" dirty="0">
-                          <a:effectLst/>
-                          <a:latin typeface="Calibri" panose="020F0502020204030204" pitchFamily="34" charset="0"/>
-                          <a:ea typeface="Calibri" panose="020F0502020204030204" pitchFamily="34" charset="0"/>
-                          <a:cs typeface="Times New Roman" panose="02020603050405020304" pitchFamily="18" charset="0"/>
-                        </a:rPr>
-                        <a:t>COMO cliente NESECITO poder reservar turnos </a:t>
-                      </a:r>
-                      <a:endParaRPr lang="es-CO" sz="1400" dirty="0">
-                        <a:effectLst/>
-                        <a:latin typeface="Calibri" panose="020F0502020204030204" pitchFamily="34" charset="0"/>
-                        <a:ea typeface="Calibri" panose="020F0502020204030204" pitchFamily="34" charset="0"/>
-                        <a:cs typeface="Times New Roman" panose="02020603050405020304" pitchFamily="18" charset="0"/>
-                      </a:endParaRPr>
-                    </a:p>
-                  </a:txBody>
-                  <a:tcPr marL="68580" marR="68580" marT="0" marB="0"/>
-                </a:tc>
-                <a:tc>
-                  <a:txBody>
-                    <a:bodyPr/>
-                    <a:lstStyle/>
-                    <a:p>
-                      <a:pPr>
-                        <a:lnSpc>
-                          <a:spcPct val="107000"/>
-                        </a:lnSpc>
-                        <a:spcAft>
-                          <a:spcPts val="800"/>
-                        </a:spcAft>
+                        <a:rPr lang="es-ES" sz="1000" dirty="0"/>
+                        <a:t>Poder saber la disponibilidad de los barberos y así poder generar la reserva </a:t>
+                      </a:r>
+                    </a:p>
+                    <a:p>
+                      <a:pPr marL="285750" indent="-285750">
+                        <a:buFont typeface="Arial" panose="020B0604020202020204" pitchFamily="34" charset="0"/>
+                        <a:buChar char="•"/>
                       </a:pPr>
                       <a:r>
-                        <a:rPr lang="es-419" sz="1400" dirty="0">
-                          <a:effectLst/>
-                        </a:rPr>
-                        <a:t>ESCENARIOS: Poder tener un apartado para saber la disponibilidad de barberos y poder reservar los turnos. </a:t>
-                      </a:r>
-                      <a:endParaRPr lang="es-CO" sz="1400" dirty="0">
-                        <a:effectLst/>
-                      </a:endParaRPr>
-                    </a:p>
-                    <a:p>
-                      <a:pPr>
-                        <a:lnSpc>
-                          <a:spcPct val="107000"/>
-                        </a:lnSpc>
-                        <a:spcAft>
-                          <a:spcPts val="800"/>
-                        </a:spcAft>
-                      </a:pPr>
-                      <a:r>
-                        <a:rPr lang="es-419" sz="1400" dirty="0">
-                          <a:effectLst/>
-                        </a:rPr>
-                        <a:t>Necesitamos: Seleccionar fecha y hora que estén disponibles, corte que desea y barbero de confianza o en disponibilidad.</a:t>
-                      </a:r>
-                      <a:endParaRPr lang="es-CO" sz="1400" dirty="0">
-                        <a:effectLst/>
-                      </a:endParaRPr>
-                    </a:p>
-                  </a:txBody>
-                  <a:tcPr marL="68580" marR="68580" marT="0" marB="0"/>
+                        <a:rPr lang="es-ES" sz="1000" dirty="0"/>
+                        <a:t>Asignar el corte que requiere </a:t>
+                      </a:r>
+                    </a:p>
+                    <a:p>
+                      <a:r>
+                        <a:rPr lang="es-ES" sz="1000" b="1" dirty="0"/>
+                        <a:t>Necesitamos</a:t>
+                      </a:r>
+                      <a:r>
+                        <a:rPr lang="es-ES" sz="1000" dirty="0"/>
+                        <a:t>:</a:t>
+                      </a:r>
+                    </a:p>
+                    <a:p>
+                      <a:r>
+                        <a:rPr lang="es-ES" sz="1000" dirty="0"/>
+                        <a:t> Seleccionar la fecha, hora y día que este disponible, corte a realizar el barbero el cual desea o este disponible  </a:t>
+                      </a:r>
+                    </a:p>
+                  </a:txBody>
+                  <a:tcPr/>
                 </a:tc>
                 <a:extLst>
                   <a:ext uri="{0D108BD9-81ED-4DB2-BD59-A6C34878D82A}">
-                    <a16:rowId xmlns:a16="http://schemas.microsoft.com/office/drawing/2014/main" val="2426386373"/>
+                    <a16:rowId xmlns:a16="http://schemas.microsoft.com/office/drawing/2014/main" val="4177710064"/>
                   </a:ext>
                 </a:extLst>
               </a:tr>
-              <a:tr h="1287878">
-                <a:tc>
-                  <a:txBody>
-                    <a:bodyPr/>
-                    <a:lstStyle/>
-                    <a:p>
-                      <a:pPr>
-                        <a:lnSpc>
-                          <a:spcPct val="107000"/>
-                        </a:lnSpc>
-                        <a:spcAft>
-                          <a:spcPts val="800"/>
-                        </a:spcAft>
-                      </a:pPr>
-                      <a:r>
-                        <a:rPr lang="es-MX" sz="1400" dirty="0">
-                          <a:effectLst/>
-                          <a:latin typeface="Calibri" panose="020F0502020204030204" pitchFamily="34" charset="0"/>
-                          <a:ea typeface="Calibri" panose="020F0502020204030204" pitchFamily="34" charset="0"/>
-                          <a:cs typeface="Times New Roman" panose="02020603050405020304" pitchFamily="18" charset="0"/>
+              <a:tr h="899277">
+                <a:tc>
+                  <a:txBody>
+                    <a:bodyPr/>
+                    <a:lstStyle/>
+                    <a:p>
+                      <a:r>
+                        <a:rPr lang="es-ES" sz="1000" dirty="0">
+                          <a:solidFill>
+                            <a:schemeClr val="bg1"/>
+                          </a:solidFill>
                         </a:rPr>
-                        <a:t>US008</a:t>
-                      </a:r>
-                      <a:endParaRPr lang="es-CO" sz="1400" dirty="0">
-                        <a:effectLst/>
-                        <a:latin typeface="Calibri" panose="020F0502020204030204" pitchFamily="34" charset="0"/>
-                        <a:ea typeface="Calibri" panose="020F0502020204030204" pitchFamily="34" charset="0"/>
-                        <a:cs typeface="Times New Roman" panose="02020603050405020304" pitchFamily="18" charset="0"/>
+                        <a:t>US004</a:t>
+                      </a:r>
+                      <a:endParaRPr lang="es-CO" sz="1000" dirty="0">
+                        <a:solidFill>
+                          <a:schemeClr val="bg1"/>
+                        </a:solidFill>
                       </a:endParaRPr>
                     </a:p>
                   </a:txBody>
-                  <a:tcPr marL="68580" marR="68580" marT="0" marB="0">
+                  <a:tcPr>
                     <a:solidFill>
                       <a:schemeClr val="accent6"/>
                     </a:solidFill>
@@ -7997,145 +8080,135 @@
                     <a:bodyPr/>
                     <a:lstStyle/>
                     <a:p>
-                      <a:pPr>
+                      <a:r>
+                        <a:rPr lang="es-ES" sz="1000" dirty="0"/>
+                        <a:t>CU008</a:t>
+                      </a:r>
+                      <a:endParaRPr lang="es-CO" sz="1000" dirty="0"/>
+                    </a:p>
+                  </a:txBody>
+                  <a:tcPr/>
+                </a:tc>
+                <a:tc>
+                  <a:txBody>
+                    <a:bodyPr/>
+                    <a:lstStyle/>
+                    <a:p>
+                      <a:r>
+                        <a:rPr lang="es-MX" sz="1000" dirty="0"/>
+                        <a:t>COMO cliente NESECITO poder registrarme en el sistema </a:t>
+                      </a:r>
+                    </a:p>
+                  </a:txBody>
+                  <a:tcPr/>
+                </a:tc>
+                <a:tc>
+                  <a:txBody>
+                    <a:bodyPr/>
+                    <a:lstStyle/>
+                    <a:p>
+                      <a:r>
+                        <a:rPr lang="es-ES" sz="1000" dirty="0"/>
+                        <a:t>Escenarios: </a:t>
+                      </a:r>
+                    </a:p>
+                    <a:p>
+                      <a:pPr marL="171450" indent="-171450">
+                        <a:buFont typeface="Arial" panose="020B0604020202020204" pitchFamily="34" charset="0"/>
+                        <a:buChar char="•"/>
+                      </a:pPr>
+                      <a:r>
+                        <a:rPr lang="es-ES" sz="1000" b="0" dirty="0"/>
+                        <a:t>Que se pueda registrar con los datos requeridos</a:t>
+                      </a:r>
+                    </a:p>
+                    <a:p>
+                      <a:pPr marL="171450" indent="-171450">
+                        <a:buFont typeface="Arial" panose="020B0604020202020204" pitchFamily="34" charset="0"/>
+                        <a:buChar char="•"/>
+                      </a:pPr>
+                      <a:r>
+                        <a:rPr lang="es-ES" sz="1000" b="0" dirty="0"/>
+                        <a:t>Cuando ya este registrado pueda hacer su sesión con los mismos datos  </a:t>
+                      </a:r>
+                      <a:endParaRPr lang="es-ES" sz="1000" b="1" dirty="0"/>
+                    </a:p>
+                    <a:p>
+                      <a:pPr marL="0" indent="0">
+                        <a:buFont typeface="Arial" panose="020B0604020202020204" pitchFamily="34" charset="0"/>
+                        <a:buNone/>
+                      </a:pPr>
+                      <a:r>
+                        <a:rPr lang="es-ES" sz="1000" b="1" dirty="0"/>
+                        <a:t>Necesitamos</a:t>
+                      </a:r>
+                      <a:r>
+                        <a:rPr lang="es-ES" sz="1000" dirty="0"/>
+                        <a:t>:</a:t>
+                      </a:r>
+                    </a:p>
+                    <a:p>
+                      <a:pPr marL="0" marR="0" lvl="0" indent="0" algn="l" defTabSz="914400" rtl="0" eaLnBrk="1" fontAlgn="auto" latinLnBrk="0" hangingPunct="1">
                         <a:lnSpc>
-                          <a:spcPct val="107000"/>
+                          <a:spcPct val="100000"/>
                         </a:lnSpc>
+                        <a:spcBef>
+                          <a:spcPts val="0"/>
+                        </a:spcBef>
                         <a:spcAft>
-                          <a:spcPts val="800"/>
+                          <a:spcPts val="0"/>
                         </a:spcAft>
+                        <a:buClrTx/>
+                        <a:buSzTx/>
+                        <a:buFontTx/>
+                        <a:buNone/>
+                        <a:tabLst/>
+                        <a:defRPr/>
                       </a:pPr>
                       <a:r>
-                        <a:rPr lang="es-MX" sz="1400" dirty="0">
-                          <a:effectLst/>
-                          <a:latin typeface="Calibri" panose="020F0502020204030204" pitchFamily="34" charset="0"/>
-                          <a:ea typeface="Calibri" panose="020F0502020204030204" pitchFamily="34" charset="0"/>
-                          <a:cs typeface="Times New Roman" panose="02020603050405020304" pitchFamily="18" charset="0"/>
-                        </a:rPr>
-                        <a:t>CU008</a:t>
-                      </a:r>
-                      <a:endParaRPr lang="es-CO" sz="1400" dirty="0">
-                        <a:effectLst/>
-                        <a:latin typeface="Calibri" panose="020F0502020204030204" pitchFamily="34" charset="0"/>
-                        <a:ea typeface="Calibri" panose="020F0502020204030204" pitchFamily="34" charset="0"/>
-                        <a:cs typeface="Times New Roman" panose="02020603050405020304" pitchFamily="18" charset="0"/>
-                      </a:endParaRPr>
-                    </a:p>
-                  </a:txBody>
-                  <a:tcPr marL="68580" marR="68580" marT="0" marB="0"/>
-                </a:tc>
-                <a:tc>
-                  <a:txBody>
-                    <a:bodyPr/>
-                    <a:lstStyle/>
-                    <a:p>
-                      <a:pPr>
-                        <a:lnSpc>
-                          <a:spcPct val="107000"/>
-                        </a:lnSpc>
-                        <a:spcAft>
-                          <a:spcPts val="800"/>
-                        </a:spcAft>
-                      </a:pPr>
-                      <a:r>
-                        <a:rPr lang="es-MX" sz="1400" dirty="0">
-                          <a:effectLst/>
-                          <a:latin typeface="Calibri" panose="020F0502020204030204" pitchFamily="34" charset="0"/>
-                          <a:ea typeface="Calibri" panose="020F0502020204030204" pitchFamily="34" charset="0"/>
-                          <a:cs typeface="Times New Roman" panose="02020603050405020304" pitchFamily="18" charset="0"/>
-                        </a:rPr>
-                        <a:t>COMO cliente NESECITO poder registrarme en el sistema </a:t>
-                      </a:r>
-                      <a:endParaRPr lang="es-CO" sz="1400" dirty="0">
-                        <a:effectLst/>
-                        <a:latin typeface="Calibri" panose="020F0502020204030204" pitchFamily="34" charset="0"/>
-                        <a:ea typeface="Calibri" panose="020F0502020204030204" pitchFamily="34" charset="0"/>
-                        <a:cs typeface="Times New Roman" panose="02020603050405020304" pitchFamily="18" charset="0"/>
-                      </a:endParaRPr>
-                    </a:p>
-                  </a:txBody>
-                  <a:tcPr marL="68580" marR="68580" marT="0" marB="0"/>
-                </a:tc>
-                <a:tc>
-                  <a:txBody>
-                    <a:bodyPr/>
-                    <a:lstStyle/>
-                    <a:p>
-                      <a:pPr>
-                        <a:lnSpc>
-                          <a:spcPct val="107000"/>
-                        </a:lnSpc>
-                        <a:spcAft>
-                          <a:spcPts val="800"/>
-                        </a:spcAft>
-                      </a:pPr>
-                      <a:r>
-                        <a:rPr lang="es-MX" sz="1400" dirty="0">
+                        <a:rPr lang="es-MX" sz="1000" dirty="0">
                           <a:effectLst/>
                         </a:rPr>
-                        <a:t>ESCENARIOS: Que se pueda registrar un usuario proporcionando su información personal .</a:t>
-                      </a:r>
-                    </a:p>
-                    <a:p>
-                      <a:pPr>
-                        <a:lnSpc>
-                          <a:spcPct val="107000"/>
-                        </a:lnSpc>
-                        <a:spcAft>
-                          <a:spcPts val="800"/>
-                        </a:spcAft>
-                      </a:pPr>
-                      <a:r>
-                        <a:rPr lang="es-MX" sz="1400" dirty="0">
-                          <a:effectLst/>
-                        </a:rPr>
-                        <a:t>Necesitamos Nombre de usuario, fecha de nacimiento, correo electrónico, contraseña.</a:t>
-                      </a:r>
-                      <a:endParaRPr lang="es-CO" sz="1400" dirty="0">
+                        <a:t>Nombre de usuario, fecha de nacimiento, correo electrónico, contraseña.</a:t>
+                      </a:r>
+                      <a:endParaRPr lang="es-CO" sz="1000" dirty="0">
                         <a:effectLst/>
                       </a:endParaRPr>
                     </a:p>
-                  </a:txBody>
-                  <a:tcPr marL="68580" marR="68580" marT="0" marB="0"/>
+                    <a:p>
+                      <a:endParaRPr lang="es-CO" sz="1000" dirty="0"/>
+                    </a:p>
+                  </a:txBody>
+                  <a:tcPr/>
                 </a:tc>
                 <a:extLst>
                   <a:ext uri="{0D108BD9-81ED-4DB2-BD59-A6C34878D82A}">
-                    <a16:rowId xmlns:a16="http://schemas.microsoft.com/office/drawing/2014/main" val="2015189317"/>
+                    <a16:rowId xmlns:a16="http://schemas.microsoft.com/office/drawing/2014/main" val="3922010544"/>
                   </a:ext>
                 </a:extLst>
               </a:tr>
-              <a:tr h="1278270">
-                <a:tc>
-                  <a:txBody>
-                    <a:bodyPr/>
-                    <a:lstStyle/>
-                    <a:p>
-                      <a:pPr>
-                        <a:lnSpc>
-                          <a:spcPct val="107000"/>
-                        </a:lnSpc>
-                        <a:spcAft>
-                          <a:spcPts val="800"/>
-                        </a:spcAft>
-                      </a:pPr>
-                      <a:r>
-                        <a:rPr lang="es-MX" sz="1400" dirty="0">
-                          <a:effectLst/>
-                          <a:latin typeface="Calibri" panose="020F0502020204030204" pitchFamily="34" charset="0"/>
-                          <a:ea typeface="Calibri" panose="020F0502020204030204" pitchFamily="34" charset="0"/>
-                          <a:cs typeface="Times New Roman" panose="02020603050405020304" pitchFamily="18" charset="0"/>
+              <a:tr h="899277">
+                <a:tc>
+                  <a:txBody>
+                    <a:bodyPr/>
+                    <a:lstStyle/>
+                    <a:p>
+                      <a:r>
+                        <a:rPr lang="es-ES" sz="1000" dirty="0">
+                          <a:solidFill>
+                            <a:schemeClr val="bg1"/>
+                          </a:solidFill>
                         </a:rPr>
-                        <a:t>US009</a:t>
-                      </a:r>
-                      <a:endParaRPr lang="es-CO" sz="1400" dirty="0">
-                        <a:effectLst/>
-                        <a:latin typeface="Calibri" panose="020F0502020204030204" pitchFamily="34" charset="0"/>
-                        <a:ea typeface="Calibri" panose="020F0502020204030204" pitchFamily="34" charset="0"/>
-                        <a:cs typeface="Times New Roman" panose="02020603050405020304" pitchFamily="18" charset="0"/>
+                        <a:t>US004</a:t>
+                      </a:r>
+                      <a:endParaRPr lang="es-CO" sz="1000" dirty="0">
+                        <a:solidFill>
+                          <a:schemeClr val="bg1"/>
+                        </a:solidFill>
                       </a:endParaRPr>
                     </a:p>
                   </a:txBody>
-                  <a:tcPr marL="68580" marR="68580" marT="0" marB="0">
+                  <a:tcPr>
                     <a:solidFill>
                       <a:schemeClr val="accent6"/>
                     </a:solidFill>
@@ -8146,110 +8219,117 @@
                     <a:bodyPr/>
                     <a:lstStyle/>
                     <a:p>
-                      <a:pPr>
+                      <a:r>
+                        <a:rPr lang="es-ES" sz="1000" dirty="0"/>
+                        <a:t>CU008</a:t>
+                      </a:r>
+                      <a:endParaRPr lang="es-CO" sz="1000" dirty="0"/>
+                    </a:p>
+                  </a:txBody>
+                  <a:tcPr/>
+                </a:tc>
+                <a:tc>
+                  <a:txBody>
+                    <a:bodyPr/>
+                    <a:lstStyle/>
+                    <a:p>
+                      <a:r>
+                        <a:rPr lang="es-MX" sz="1000" dirty="0"/>
+                        <a:t>COMO cliente NESECITO agregar productos al carrito de compras</a:t>
+                      </a:r>
+                    </a:p>
+                  </a:txBody>
+                  <a:tcPr/>
+                </a:tc>
+                <a:tc>
+                  <a:txBody>
+                    <a:bodyPr/>
+                    <a:lstStyle/>
+                    <a:p>
+                      <a:r>
+                        <a:rPr lang="es-ES" sz="1000" dirty="0"/>
+                        <a:t>Escenarios: </a:t>
+                      </a:r>
+                    </a:p>
+                    <a:p>
+                      <a:pPr marL="171450" indent="-171450">
+                        <a:buFont typeface="Arial" panose="020B0604020202020204" pitchFamily="34" charset="0"/>
+                        <a:buChar char="•"/>
+                      </a:pPr>
+                      <a:r>
+                        <a:rPr lang="es-ES" sz="1000" b="0" dirty="0"/>
+                        <a:t>Poder agregar productos de preferencia </a:t>
+                      </a:r>
+                    </a:p>
+                    <a:p>
+                      <a:pPr marL="171450" indent="-171450">
+                        <a:buFont typeface="Arial" panose="020B0604020202020204" pitchFamily="34" charset="0"/>
+                        <a:buChar char="•"/>
+                      </a:pPr>
+                      <a:r>
+                        <a:rPr lang="es-ES" sz="1000" b="0" dirty="0"/>
+                        <a:t>Que los productos agregados se almacenen en el carrito </a:t>
+                      </a:r>
+                    </a:p>
+                    <a:p>
+                      <a:pPr marL="171450" indent="-171450">
+                        <a:buFont typeface="Arial" panose="020B0604020202020204" pitchFamily="34" charset="0"/>
+                        <a:buChar char="•"/>
+                      </a:pPr>
+                      <a:r>
+                        <a:rPr lang="es-ES" sz="1000" b="0" dirty="0"/>
+                        <a:t>Que se pueda comprar dentro del carrito de compras</a:t>
+                      </a:r>
+                      <a:endParaRPr lang="es-ES" sz="1000" b="1" dirty="0"/>
+                    </a:p>
+                    <a:p>
+                      <a:pPr marL="0" indent="0">
+                        <a:buFont typeface="Arial" panose="020B0604020202020204" pitchFamily="34" charset="0"/>
+                        <a:buNone/>
+                      </a:pPr>
+                      <a:r>
+                        <a:rPr lang="es-ES" sz="1000" b="1" dirty="0"/>
+                        <a:t>Necesitamos</a:t>
+                      </a:r>
+                      <a:r>
+                        <a:rPr lang="es-ES" sz="1000" dirty="0"/>
+                        <a:t>:</a:t>
+                      </a:r>
+                    </a:p>
+                    <a:p>
+                      <a:pPr marL="0" marR="0" lvl="0" indent="0" algn="l" defTabSz="914400" rtl="0" eaLnBrk="1" fontAlgn="auto" latinLnBrk="0" hangingPunct="1">
                         <a:lnSpc>
-                          <a:spcPct val="107000"/>
+                          <a:spcPct val="100000"/>
                         </a:lnSpc>
+                        <a:spcBef>
+                          <a:spcPts val="0"/>
+                        </a:spcBef>
                         <a:spcAft>
-                          <a:spcPts val="800"/>
+                          <a:spcPts val="0"/>
                         </a:spcAft>
+                        <a:buClrTx/>
+                        <a:buSzTx/>
+                        <a:buFontTx/>
+                        <a:buNone/>
+                        <a:tabLst/>
+                        <a:defRPr/>
                       </a:pPr>
                       <a:r>
-                        <a:rPr lang="es-MX" sz="1400" dirty="0">
-                          <a:effectLst/>
-                          <a:latin typeface="Calibri" panose="020F0502020204030204" pitchFamily="34" charset="0"/>
-                          <a:ea typeface="Calibri" panose="020F0502020204030204" pitchFamily="34" charset="0"/>
-                          <a:cs typeface="Times New Roman" panose="02020603050405020304" pitchFamily="18" charset="0"/>
-                        </a:rPr>
-                        <a:t>CU009</a:t>
-                      </a:r>
-                      <a:endParaRPr lang="es-CO" sz="1400" dirty="0">
-                        <a:effectLst/>
-                        <a:latin typeface="Calibri" panose="020F0502020204030204" pitchFamily="34" charset="0"/>
-                        <a:ea typeface="Calibri" panose="020F0502020204030204" pitchFamily="34" charset="0"/>
-                        <a:cs typeface="Times New Roman" panose="02020603050405020304" pitchFamily="18" charset="0"/>
-                      </a:endParaRPr>
-                    </a:p>
-                  </a:txBody>
-                  <a:tcPr marL="68580" marR="68580" marT="0" marB="0"/>
-                </a:tc>
-                <a:tc>
-                  <a:txBody>
-                    <a:bodyPr/>
-                    <a:lstStyle/>
-                    <a:p>
-                      <a:pPr>
-                        <a:lnSpc>
-                          <a:spcPct val="107000"/>
-                        </a:lnSpc>
-                        <a:spcAft>
-                          <a:spcPts val="800"/>
-                        </a:spcAft>
-                      </a:pPr>
-                      <a:r>
-                        <a:rPr lang="es-MX" sz="1400" dirty="0">
-                          <a:effectLst/>
-                          <a:latin typeface="Calibri" panose="020F0502020204030204" pitchFamily="34" charset="0"/>
-                          <a:ea typeface="Calibri" panose="020F0502020204030204" pitchFamily="34" charset="0"/>
-                          <a:cs typeface="Times New Roman" panose="02020603050405020304" pitchFamily="18" charset="0"/>
-                        </a:rPr>
-                        <a:t>COMO cliente NECESITO agregar productos al carrito de compras</a:t>
-                      </a:r>
-                      <a:endParaRPr lang="es-CO" sz="1400" dirty="0">
-                        <a:effectLst/>
-                        <a:latin typeface="Calibri" panose="020F0502020204030204" pitchFamily="34" charset="0"/>
-                        <a:ea typeface="Calibri" panose="020F0502020204030204" pitchFamily="34" charset="0"/>
-                        <a:cs typeface="Times New Roman" panose="02020603050405020304" pitchFamily="18" charset="0"/>
-                      </a:endParaRPr>
-                    </a:p>
-                  </a:txBody>
-                  <a:tcPr marL="68580" marR="68580" marT="0" marB="0"/>
-                </a:tc>
-                <a:tc>
-                  <a:txBody>
-                    <a:bodyPr/>
-                    <a:lstStyle/>
-                    <a:p>
-                      <a:pPr>
-                        <a:lnSpc>
-                          <a:spcPct val="107000"/>
-                        </a:lnSpc>
-                        <a:spcAft>
-                          <a:spcPts val="800"/>
-                        </a:spcAft>
-                      </a:pPr>
-                      <a:r>
-                        <a:rPr lang="es-MX" sz="1400" dirty="0">
+                        <a:rPr lang="es-MX" sz="1000" dirty="0">
                           <a:effectLst/>
                         </a:rPr>
-                        <a:t>ESCENARIOS: Como usuario poder agregar productos de preferencia o que quiera comprar después.</a:t>
-                      </a:r>
-                    </a:p>
-                    <a:p>
-                      <a:pPr>
-                        <a:lnSpc>
-                          <a:spcPct val="107000"/>
-                        </a:lnSpc>
-                        <a:spcAft>
-                          <a:spcPts val="800"/>
-                        </a:spcAft>
-                      </a:pPr>
-                      <a:r>
-                        <a:rPr lang="es-MX" sz="1400" dirty="0">
-                          <a:effectLst/>
-                        </a:rPr>
-                        <a:t>Necesitamos: Seleccionar producto y la cantidad </a:t>
-                      </a:r>
-                      <a:endParaRPr lang="es-CO" sz="1400" dirty="0">
+                        <a:t>Seleccionar los productos y la cantidad.</a:t>
+                      </a:r>
+                      <a:endParaRPr lang="es-CO" sz="1000" dirty="0">
                         <a:effectLst/>
                       </a:endParaRPr>
                     </a:p>
                   </a:txBody>
-                  <a:tcPr marL="68580" marR="68580" marT="0" marB="0"/>
+                  <a:tcPr/>
                 </a:tc>
                 <a:extLst>
                   <a:ext uri="{0D108BD9-81ED-4DB2-BD59-A6C34878D82A}">
-                    <a16:rowId xmlns:a16="http://schemas.microsoft.com/office/drawing/2014/main" val="3954540753"/>
+                    <a16:rowId xmlns:a16="http://schemas.microsoft.com/office/drawing/2014/main" val="1982062746"/>
                   </a:ext>
                 </a:extLst>
               </a:tr>

--- a/RF-RNF-HU.pptx
+++ b/RF-RNF-HU.pptx
@@ -7592,7 +7592,7 @@
           <p:nvPr>
             <p:extLst>
               <p:ext uri="{D42A27DB-BD31-4B8C-83A1-F6EECF244321}">
-                <p14:modId xmlns:p14="http://schemas.microsoft.com/office/powerpoint/2010/main" val="1990067225"/>
+                <p14:modId xmlns:p14="http://schemas.microsoft.com/office/powerpoint/2010/main" val="1438160162"/>
               </p:ext>
             </p:extLst>
           </p:nvPr>
@@ -7867,7 +7867,7 @@
                     <a:p>
                       <a:r>
                         <a:rPr lang="es-MX" sz="1000" dirty="0"/>
-                        <a:t>COMO cliente NESECITO poder hacer compras de productos </a:t>
+                        <a:t>COMO cliente NECESITO poder hacer compras de productos </a:t>
                       </a:r>
                     </a:p>
                   </a:txBody>
@@ -7977,7 +7977,7 @@
                     <a:p>
                       <a:r>
                         <a:rPr lang="pt-BR" sz="1000" dirty="0"/>
-                        <a:t>COMO cliente NESECITO poder tener una opcion para hacer las reservas de turnos </a:t>
+                        <a:t>COMO cliente NECESITO poder tener una opcion para hacer las reservas de turnos </a:t>
                       </a:r>
                     </a:p>
                   </a:txBody>
@@ -8096,7 +8096,7 @@
                     <a:p>
                       <a:r>
                         <a:rPr lang="es-MX" sz="1000" dirty="0"/>
-                        <a:t>COMO cliente NESECITO poder registrarme en el sistema </a:t>
+                        <a:t>COMO cliente NECESITO poder registrarme en el sistema </a:t>
                       </a:r>
                     </a:p>
                   </a:txBody>
@@ -8235,7 +8235,7 @@
                     <a:p>
                       <a:r>
                         <a:rPr lang="es-MX" sz="1000" dirty="0"/>
-                        <a:t>COMO cliente NESECITO agregar productos al carrito de compras</a:t>
+                        <a:t>COMO cliente NECESITO agregar productos al carrito de compras</a:t>
                       </a:r>
                     </a:p>
                   </a:txBody>
